--- a/Mau Slide Powerpoint Dai hoc Can Tho CTU.pptx
+++ b/Mau Slide Powerpoint Dai hoc Can Tho CTU.pptx
@@ -4,6 +4,9 @@
   <p:sldMasterIdLst>
     <p:sldMasterId id="2147483648" r:id="rId1"/>
   </p:sldMasterIdLst>
+  <p:notesMasterIdLst>
+    <p:notesMasterId r:id="rId14"/>
+  </p:notesMasterIdLst>
   <p:sldIdLst>
     <p:sldId id="256" r:id="rId2"/>
     <p:sldId id="263" r:id="rId3"/>
@@ -13,23 +16,10 @@
     <p:sldId id="268" r:id="rId7"/>
     <p:sldId id="269" r:id="rId8"/>
     <p:sldId id="270" r:id="rId9"/>
-    <p:sldId id="274" r:id="rId10"/>
-    <p:sldId id="275" r:id="rId11"/>
-    <p:sldId id="276" r:id="rId12"/>
-    <p:sldId id="277" r:id="rId13"/>
-    <p:sldId id="278" r:id="rId14"/>
-    <p:sldId id="279" r:id="rId15"/>
-    <p:sldId id="280" r:id="rId16"/>
-    <p:sldId id="281" r:id="rId17"/>
-    <p:sldId id="282" r:id="rId18"/>
-    <p:sldId id="283" r:id="rId19"/>
-    <p:sldId id="284" r:id="rId20"/>
-    <p:sldId id="285" r:id="rId21"/>
-    <p:sldId id="286" r:id="rId22"/>
-    <p:sldId id="287" r:id="rId23"/>
-    <p:sldId id="271" r:id="rId24"/>
-    <p:sldId id="272" r:id="rId25"/>
-    <p:sldId id="262" r:id="rId26"/>
+    <p:sldId id="276" r:id="rId10"/>
+    <p:sldId id="274" r:id="rId11"/>
+    <p:sldId id="275" r:id="rId12"/>
+    <p:sldId id="262" r:id="rId13"/>
   </p:sldIdLst>
   <p:sldSz cx="9144000" cy="6858000" type="screen4x3"/>
   <p:notesSz cx="6858000" cy="9144000"/>
@@ -175,6 +165,764 @@
     </p:ext>
   </p:extLst>
 </p:presentation>
+</file>
+
+<file path=ppt/notesMasters/notesMaster1.xml><?xml version="1.0" encoding="utf-8"?>
+<p:notesMaster xmlns:a="http://schemas.openxmlformats.org/drawingml/2006/main" xmlns:r="http://schemas.openxmlformats.org/officeDocument/2006/relationships" xmlns:p="http://schemas.openxmlformats.org/presentationml/2006/main">
+  <p:cSld>
+    <p:bg>
+      <p:bgRef idx="1001">
+        <a:schemeClr val="bg1"/>
+      </p:bgRef>
+    </p:bg>
+    <p:spTree>
+      <p:nvGrpSpPr>
+        <p:cNvPr id="1" name=""/>
+        <p:cNvGrpSpPr/>
+        <p:nvPr/>
+      </p:nvGrpSpPr>
+      <p:grpSpPr>
+        <a:xfrm>
+          <a:off x="0" y="0"/>
+          <a:ext cx="0" cy="0"/>
+          <a:chOff x="0" y="0"/>
+          <a:chExt cx="0" cy="0"/>
+        </a:xfrm>
+      </p:grpSpPr>
+      <p:sp>
+        <p:nvSpPr>
+          <p:cNvPr id="2" name="Header Placeholder 1"/>
+          <p:cNvSpPr>
+            <a:spLocks noGrp="1"/>
+          </p:cNvSpPr>
+          <p:nvPr>
+            <p:ph type="hdr" sz="quarter"/>
+          </p:nvPr>
+        </p:nvSpPr>
+        <p:spPr>
+          <a:xfrm>
+            <a:off x="0" y="0"/>
+            <a:ext cx="2971800" cy="458788"/>
+          </a:xfrm>
+          <a:prstGeom prst="rect">
+            <a:avLst/>
+          </a:prstGeom>
+        </p:spPr>
+        <p:txBody>
+          <a:bodyPr vert="horz" lIns="91440" tIns="45720" rIns="91440" bIns="45720" rtlCol="0"/>
+          <a:lstStyle>
+            <a:lvl1pPr algn="l">
+              <a:defRPr sz="1200"/>
+            </a:lvl1pPr>
+          </a:lstStyle>
+          <a:p>
+            <a:endParaRPr lang="en-US"/>
+          </a:p>
+        </p:txBody>
+      </p:sp>
+      <p:sp>
+        <p:nvSpPr>
+          <p:cNvPr id="3" name="Date Placeholder 2"/>
+          <p:cNvSpPr>
+            <a:spLocks noGrp="1"/>
+          </p:cNvSpPr>
+          <p:nvPr>
+            <p:ph type="dt" idx="1"/>
+          </p:nvPr>
+        </p:nvSpPr>
+        <p:spPr>
+          <a:xfrm>
+            <a:off x="3884613" y="0"/>
+            <a:ext cx="2971800" cy="458788"/>
+          </a:xfrm>
+          <a:prstGeom prst="rect">
+            <a:avLst/>
+          </a:prstGeom>
+        </p:spPr>
+        <p:txBody>
+          <a:bodyPr vert="horz" lIns="91440" tIns="45720" rIns="91440" bIns="45720" rtlCol="0"/>
+          <a:lstStyle>
+            <a:lvl1pPr algn="r">
+              <a:defRPr sz="1200"/>
+            </a:lvl1pPr>
+          </a:lstStyle>
+          <a:p>
+            <a:fld id="{F69657E9-F8AD-4B74-9196-A58748168F44}" type="datetimeFigureOut">
+              <a:rPr lang="en-US" smtClean="0"/>
+              <a:t>6/10/2022</a:t>
+            </a:fld>
+            <a:endParaRPr lang="en-US"/>
+          </a:p>
+        </p:txBody>
+      </p:sp>
+      <p:sp>
+        <p:nvSpPr>
+          <p:cNvPr id="4" name="Slide Image Placeholder 3"/>
+          <p:cNvSpPr>
+            <a:spLocks noGrp="1" noRot="1" noChangeAspect="1"/>
+          </p:cNvSpPr>
+          <p:nvPr>
+            <p:ph type="sldImg" idx="2"/>
+          </p:nvPr>
+        </p:nvSpPr>
+        <p:spPr>
+          <a:xfrm>
+            <a:off x="1371600" y="1143000"/>
+            <a:ext cx="4114800" cy="3086100"/>
+          </a:xfrm>
+          <a:prstGeom prst="rect">
+            <a:avLst/>
+          </a:prstGeom>
+          <a:noFill/>
+          <a:ln w="12700">
+            <a:solidFill>
+              <a:prstClr val="black"/>
+            </a:solidFill>
+          </a:ln>
+        </p:spPr>
+        <p:txBody>
+          <a:bodyPr vert="horz" lIns="91440" tIns="45720" rIns="91440" bIns="45720" rtlCol="0" anchor="ctr"/>
+          <a:lstStyle/>
+          <a:p>
+            <a:endParaRPr lang="en-US"/>
+          </a:p>
+        </p:txBody>
+      </p:sp>
+      <p:sp>
+        <p:nvSpPr>
+          <p:cNvPr id="5" name="Notes Placeholder 4"/>
+          <p:cNvSpPr>
+            <a:spLocks noGrp="1"/>
+          </p:cNvSpPr>
+          <p:nvPr>
+            <p:ph type="body" sz="quarter" idx="3"/>
+          </p:nvPr>
+        </p:nvSpPr>
+        <p:spPr>
+          <a:xfrm>
+            <a:off x="685800" y="4400550"/>
+            <a:ext cx="5486400" cy="3600450"/>
+          </a:xfrm>
+          <a:prstGeom prst="rect">
+            <a:avLst/>
+          </a:prstGeom>
+        </p:spPr>
+        <p:txBody>
+          <a:bodyPr vert="horz" lIns="91440" tIns="45720" rIns="91440" bIns="45720" rtlCol="0"/>
+          <a:lstStyle/>
+          <a:p>
+            <a:pPr lvl="0"/>
+            <a:r>
+              <a:rPr lang="en-US" smtClean="0"/>
+              <a:t>Edit Master text styles</a:t>
+            </a:r>
+          </a:p>
+          <a:p>
+            <a:pPr lvl="1"/>
+            <a:r>
+              <a:rPr lang="en-US" smtClean="0"/>
+              <a:t>Second level</a:t>
+            </a:r>
+          </a:p>
+          <a:p>
+            <a:pPr lvl="2"/>
+            <a:r>
+              <a:rPr lang="en-US" smtClean="0"/>
+              <a:t>Third level</a:t>
+            </a:r>
+          </a:p>
+          <a:p>
+            <a:pPr lvl="3"/>
+            <a:r>
+              <a:rPr lang="en-US" smtClean="0"/>
+              <a:t>Fourth level</a:t>
+            </a:r>
+          </a:p>
+          <a:p>
+            <a:pPr lvl="4"/>
+            <a:r>
+              <a:rPr lang="en-US" smtClean="0"/>
+              <a:t>Fifth level</a:t>
+            </a:r>
+            <a:endParaRPr lang="en-US"/>
+          </a:p>
+        </p:txBody>
+      </p:sp>
+      <p:sp>
+        <p:nvSpPr>
+          <p:cNvPr id="6" name="Footer Placeholder 5"/>
+          <p:cNvSpPr>
+            <a:spLocks noGrp="1"/>
+          </p:cNvSpPr>
+          <p:nvPr>
+            <p:ph type="ftr" sz="quarter" idx="4"/>
+          </p:nvPr>
+        </p:nvSpPr>
+        <p:spPr>
+          <a:xfrm>
+            <a:off x="0" y="8685213"/>
+            <a:ext cx="2971800" cy="458787"/>
+          </a:xfrm>
+          <a:prstGeom prst="rect">
+            <a:avLst/>
+          </a:prstGeom>
+        </p:spPr>
+        <p:txBody>
+          <a:bodyPr vert="horz" lIns="91440" tIns="45720" rIns="91440" bIns="45720" rtlCol="0" anchor="b"/>
+          <a:lstStyle>
+            <a:lvl1pPr algn="l">
+              <a:defRPr sz="1200"/>
+            </a:lvl1pPr>
+          </a:lstStyle>
+          <a:p>
+            <a:endParaRPr lang="en-US"/>
+          </a:p>
+        </p:txBody>
+      </p:sp>
+      <p:sp>
+        <p:nvSpPr>
+          <p:cNvPr id="7" name="Slide Number Placeholder 6"/>
+          <p:cNvSpPr>
+            <a:spLocks noGrp="1"/>
+          </p:cNvSpPr>
+          <p:nvPr>
+            <p:ph type="sldNum" sz="quarter" idx="5"/>
+          </p:nvPr>
+        </p:nvSpPr>
+        <p:spPr>
+          <a:xfrm>
+            <a:off x="3884613" y="8685213"/>
+            <a:ext cx="2971800" cy="458787"/>
+          </a:xfrm>
+          <a:prstGeom prst="rect">
+            <a:avLst/>
+          </a:prstGeom>
+        </p:spPr>
+        <p:txBody>
+          <a:bodyPr vert="horz" lIns="91440" tIns="45720" rIns="91440" bIns="45720" rtlCol="0" anchor="b"/>
+          <a:lstStyle>
+            <a:lvl1pPr algn="r">
+              <a:defRPr sz="1200"/>
+            </a:lvl1pPr>
+          </a:lstStyle>
+          <a:p>
+            <a:fld id="{8B0546E2-63F4-447E-BC51-453668376C5B}" type="slidenum">
+              <a:rPr lang="en-US" smtClean="0"/>
+              <a:t>‹#›</a:t>
+            </a:fld>
+            <a:endParaRPr lang="en-US"/>
+          </a:p>
+        </p:txBody>
+      </p:sp>
+    </p:spTree>
+    <p:extLst>
+      <p:ext uri="{BB962C8B-B14F-4D97-AF65-F5344CB8AC3E}">
+        <p14:creationId xmlns:p14="http://schemas.microsoft.com/office/powerpoint/2010/main" val="1485007543"/>
+      </p:ext>
+    </p:extLst>
+  </p:cSld>
+  <p:clrMap bg1="lt1" tx1="dk1" bg2="lt2" tx2="dk2" accent1="accent1" accent2="accent2" accent3="accent3" accent4="accent4" accent5="accent5" accent6="accent6" hlink="hlink" folHlink="folHlink"/>
+  <p:notesStyle>
+    <a:lvl1pPr marL="0" algn="l" defTabSz="914400" rtl="0" eaLnBrk="1" latinLnBrk="0" hangingPunct="1">
+      <a:defRPr sz="1200" kern="1200">
+        <a:solidFill>
+          <a:schemeClr val="tx1"/>
+        </a:solidFill>
+        <a:latin typeface="+mn-lt"/>
+        <a:ea typeface="+mn-ea"/>
+        <a:cs typeface="+mn-cs"/>
+      </a:defRPr>
+    </a:lvl1pPr>
+    <a:lvl2pPr marL="457200" algn="l" defTabSz="914400" rtl="0" eaLnBrk="1" latinLnBrk="0" hangingPunct="1">
+      <a:defRPr sz="1200" kern="1200">
+        <a:solidFill>
+          <a:schemeClr val="tx1"/>
+        </a:solidFill>
+        <a:latin typeface="+mn-lt"/>
+        <a:ea typeface="+mn-ea"/>
+        <a:cs typeface="+mn-cs"/>
+      </a:defRPr>
+    </a:lvl2pPr>
+    <a:lvl3pPr marL="914400" algn="l" defTabSz="914400" rtl="0" eaLnBrk="1" latinLnBrk="0" hangingPunct="1">
+      <a:defRPr sz="1200" kern="1200">
+        <a:solidFill>
+          <a:schemeClr val="tx1"/>
+        </a:solidFill>
+        <a:latin typeface="+mn-lt"/>
+        <a:ea typeface="+mn-ea"/>
+        <a:cs typeface="+mn-cs"/>
+      </a:defRPr>
+    </a:lvl3pPr>
+    <a:lvl4pPr marL="1371600" algn="l" defTabSz="914400" rtl="0" eaLnBrk="1" latinLnBrk="0" hangingPunct="1">
+      <a:defRPr sz="1200" kern="1200">
+        <a:solidFill>
+          <a:schemeClr val="tx1"/>
+        </a:solidFill>
+        <a:latin typeface="+mn-lt"/>
+        <a:ea typeface="+mn-ea"/>
+        <a:cs typeface="+mn-cs"/>
+      </a:defRPr>
+    </a:lvl4pPr>
+    <a:lvl5pPr marL="1828800" algn="l" defTabSz="914400" rtl="0" eaLnBrk="1" latinLnBrk="0" hangingPunct="1">
+      <a:defRPr sz="1200" kern="1200">
+        <a:solidFill>
+          <a:schemeClr val="tx1"/>
+        </a:solidFill>
+        <a:latin typeface="+mn-lt"/>
+        <a:ea typeface="+mn-ea"/>
+        <a:cs typeface="+mn-cs"/>
+      </a:defRPr>
+    </a:lvl5pPr>
+    <a:lvl6pPr marL="2286000" algn="l" defTabSz="914400" rtl="0" eaLnBrk="1" latinLnBrk="0" hangingPunct="1">
+      <a:defRPr sz="1200" kern="1200">
+        <a:solidFill>
+          <a:schemeClr val="tx1"/>
+        </a:solidFill>
+        <a:latin typeface="+mn-lt"/>
+        <a:ea typeface="+mn-ea"/>
+        <a:cs typeface="+mn-cs"/>
+      </a:defRPr>
+    </a:lvl6pPr>
+    <a:lvl7pPr marL="2743200" algn="l" defTabSz="914400" rtl="0" eaLnBrk="1" latinLnBrk="0" hangingPunct="1">
+      <a:defRPr sz="1200" kern="1200">
+        <a:solidFill>
+          <a:schemeClr val="tx1"/>
+        </a:solidFill>
+        <a:latin typeface="+mn-lt"/>
+        <a:ea typeface="+mn-ea"/>
+        <a:cs typeface="+mn-cs"/>
+      </a:defRPr>
+    </a:lvl7pPr>
+    <a:lvl8pPr marL="3200400" algn="l" defTabSz="914400" rtl="0" eaLnBrk="1" latinLnBrk="0" hangingPunct="1">
+      <a:defRPr sz="1200" kern="1200">
+        <a:solidFill>
+          <a:schemeClr val="tx1"/>
+        </a:solidFill>
+        <a:latin typeface="+mn-lt"/>
+        <a:ea typeface="+mn-ea"/>
+        <a:cs typeface="+mn-cs"/>
+      </a:defRPr>
+    </a:lvl8pPr>
+    <a:lvl9pPr marL="3657600" algn="l" defTabSz="914400" rtl="0" eaLnBrk="1" latinLnBrk="0" hangingPunct="1">
+      <a:defRPr sz="1200" kern="1200">
+        <a:solidFill>
+          <a:schemeClr val="tx1"/>
+        </a:solidFill>
+        <a:latin typeface="+mn-lt"/>
+        <a:ea typeface="+mn-ea"/>
+        <a:cs typeface="+mn-cs"/>
+      </a:defRPr>
+    </a:lvl9pPr>
+  </p:notesStyle>
+</p:notesMaster>
+</file>
+
+<file path=ppt/notesSlides/notesSlide1.xml><?xml version="1.0" encoding="utf-8"?>
+<p:notes xmlns:a="http://schemas.openxmlformats.org/drawingml/2006/main" xmlns:r="http://schemas.openxmlformats.org/officeDocument/2006/relationships" xmlns:p="http://schemas.openxmlformats.org/presentationml/2006/main">
+  <p:cSld>
+    <p:spTree>
+      <p:nvGrpSpPr>
+        <p:cNvPr id="1" name=""/>
+        <p:cNvGrpSpPr/>
+        <p:nvPr/>
+      </p:nvGrpSpPr>
+      <p:grpSpPr>
+        <a:xfrm>
+          <a:off x="0" y="0"/>
+          <a:ext cx="0" cy="0"/>
+          <a:chOff x="0" y="0"/>
+          <a:chExt cx="0" cy="0"/>
+        </a:xfrm>
+      </p:grpSpPr>
+      <p:sp>
+        <p:nvSpPr>
+          <p:cNvPr id="2" name="Slide Image Placeholder 1"/>
+          <p:cNvSpPr>
+            <a:spLocks noGrp="1" noRot="1" noChangeAspect="1"/>
+          </p:cNvSpPr>
+          <p:nvPr>
+            <p:ph type="sldImg"/>
+          </p:nvPr>
+        </p:nvSpPr>
+        <p:spPr/>
+      </p:sp>
+      <p:sp>
+        <p:nvSpPr>
+          <p:cNvPr id="3" name="Notes Placeholder 2"/>
+          <p:cNvSpPr>
+            <a:spLocks noGrp="1"/>
+          </p:cNvSpPr>
+          <p:nvPr>
+            <p:ph type="body" idx="1"/>
+          </p:nvPr>
+        </p:nvSpPr>
+        <p:spPr/>
+        <p:txBody>
+          <a:bodyPr/>
+          <a:lstStyle/>
+          <a:p>
+            <a:pPr marL="228600" indent="-228600">
+              <a:buAutoNum type="arabicPeriod"/>
+            </a:pPr>
+            <a:r>
+              <a:rPr lang="vi-VN" smtClean="0"/>
+              <a:t>Do thời đại công nghệ ngày nay phát triển nhanh và đầy phức tạp</a:t>
+            </a:r>
+            <a:r>
+              <a:rPr lang="en-US" smtClean="0"/>
+              <a:t>(dẫn</a:t>
+            </a:r>
+            <a:r>
+              <a:rPr lang="en-US" baseline="0" smtClean="0"/>
+              <a:t> chứng khoa học</a:t>
+            </a:r>
+            <a:r>
+              <a:rPr lang="en-US" smtClean="0"/>
+              <a:t>)</a:t>
+            </a:r>
+            <a:r>
+              <a:rPr lang="vi-VN" smtClean="0"/>
+              <a:t> nên việc</a:t>
+            </a:r>
+          </a:p>
+          <a:p>
+            <a:pPr marL="228600" indent="-228600">
+              <a:buAutoNum type="arabicPeriod"/>
+            </a:pPr>
+            <a:r>
+              <a:rPr lang="vi-VN" smtClean="0"/>
+              <a:t>phải liên tục học tập, trau dồi là điều </a:t>
+            </a:r>
+            <a:r>
+              <a:rPr lang="en-US" smtClean="0"/>
+              <a:t>bắt</a:t>
+            </a:r>
+            <a:r>
+              <a:rPr lang="en-US" baseline="0" smtClean="0"/>
+              <a:t> buộc để trụ trong ngành công nghệ thông tin nói chung</a:t>
+            </a:r>
+            <a:r>
+              <a:rPr lang="vi-VN" smtClean="0"/>
+              <a:t>.</a:t>
+            </a:r>
+          </a:p>
+          <a:p>
+            <a:pPr marL="228600" indent="-228600">
+              <a:buAutoNum type="arabicPeriod"/>
+            </a:pPr>
+            <a:r>
+              <a:rPr lang="vi-VN" smtClean="0"/>
+              <a:t>Tuy nhiên, những quyển sách</a:t>
+            </a:r>
+            <a:r>
+              <a:rPr lang="en-US" smtClean="0"/>
+              <a:t> (việc</a:t>
+            </a:r>
+            <a:r>
+              <a:rPr lang="en-US" baseline="0" smtClean="0"/>
+              <a:t> đề cập sách để học lập trình là vì sách có nhà biên soạn, được chỉnh sửa và check rất nhiều lần nên độ tin cậy của sách sẽ tốt hơn so với các video dạy lập trình</a:t>
+            </a:r>
+            <a:r>
+              <a:rPr lang="en-US" smtClean="0"/>
+              <a:t>)</a:t>
+            </a:r>
+            <a:r>
+              <a:rPr lang="vi-VN" smtClean="0"/>
+              <a:t> công nghệ dày đặc những thuật ngữ, từ vựng</a:t>
+            </a:r>
+          </a:p>
+          <a:p>
+            <a:pPr marL="228600" indent="-228600">
+              <a:buAutoNum type="arabicPeriod"/>
+            </a:pPr>
+            <a:r>
+              <a:rPr lang="vi-VN" smtClean="0"/>
+              <a:t>khó hiểu chính là trở ngại lớn nhất khiến độc giả khó có thể tiếp thu kiến thức</a:t>
+            </a:r>
+          </a:p>
+          <a:p>
+            <a:pPr marL="228600" indent="-228600">
+              <a:buAutoNum type="arabicPeriod"/>
+            </a:pPr>
+            <a:r>
+              <a:rPr lang="vi-VN" smtClean="0"/>
+              <a:t>hiệu quả, do phải liên tục tra nghĩa của từ gây mất tập trung vào nội dung bài</a:t>
+            </a:r>
+          </a:p>
+          <a:p>
+            <a:pPr marL="228600" indent="-228600">
+              <a:buAutoNum type="arabicPeriod"/>
+            </a:pPr>
+            <a:r>
+              <a:rPr lang="vi-VN" smtClean="0"/>
+              <a:t>đọc và cũng khó để nhớ được từ vựng ấy, đến khi đọc và vấp phải từ vựng ấy</a:t>
+            </a:r>
+          </a:p>
+          <a:p>
+            <a:pPr marL="228600" indent="-228600">
+              <a:buAutoNum type="arabicPeriod"/>
+            </a:pPr>
+            <a:r>
+              <a:rPr lang="vi-VN" smtClean="0"/>
+              <a:t>lại tiếp tục phải tra.</a:t>
+            </a:r>
+            <a:endParaRPr lang="en-US" baseline="0" smtClean="0"/>
+          </a:p>
+        </p:txBody>
+      </p:sp>
+      <p:sp>
+        <p:nvSpPr>
+          <p:cNvPr id="4" name="Slide Number Placeholder 3"/>
+          <p:cNvSpPr>
+            <a:spLocks noGrp="1"/>
+          </p:cNvSpPr>
+          <p:nvPr>
+            <p:ph type="sldNum" sz="quarter" idx="10"/>
+          </p:nvPr>
+        </p:nvSpPr>
+        <p:spPr/>
+        <p:txBody>
+          <a:bodyPr/>
+          <a:lstStyle/>
+          <a:p>
+            <a:fld id="{8B0546E2-63F4-447E-BC51-453668376C5B}" type="slidenum">
+              <a:rPr lang="en-US" smtClean="0"/>
+              <a:t>3</a:t>
+            </a:fld>
+            <a:endParaRPr lang="en-US"/>
+          </a:p>
+        </p:txBody>
+      </p:sp>
+    </p:spTree>
+    <p:extLst>
+      <p:ext uri="{BB962C8B-B14F-4D97-AF65-F5344CB8AC3E}">
+        <p14:creationId xmlns:p14="http://schemas.microsoft.com/office/powerpoint/2010/main" val="1718943168"/>
+      </p:ext>
+    </p:extLst>
+  </p:cSld>
+  <p:clrMapOvr>
+    <a:masterClrMapping/>
+  </p:clrMapOvr>
+</p:notes>
+</file>
+
+<file path=ppt/notesSlides/notesSlide2.xml><?xml version="1.0" encoding="utf-8"?>
+<p:notes xmlns:a="http://schemas.openxmlformats.org/drawingml/2006/main" xmlns:r="http://schemas.openxmlformats.org/officeDocument/2006/relationships" xmlns:p="http://schemas.openxmlformats.org/presentationml/2006/main">
+  <p:cSld>
+    <p:spTree>
+      <p:nvGrpSpPr>
+        <p:cNvPr id="1" name=""/>
+        <p:cNvGrpSpPr/>
+        <p:nvPr/>
+      </p:nvGrpSpPr>
+      <p:grpSpPr>
+        <a:xfrm>
+          <a:off x="0" y="0"/>
+          <a:ext cx="0" cy="0"/>
+          <a:chOff x="0" y="0"/>
+          <a:chExt cx="0" cy="0"/>
+        </a:xfrm>
+      </p:grpSpPr>
+      <p:sp>
+        <p:nvSpPr>
+          <p:cNvPr id="2" name="Slide Image Placeholder 1"/>
+          <p:cNvSpPr>
+            <a:spLocks noGrp="1" noRot="1" noChangeAspect="1"/>
+          </p:cNvSpPr>
+          <p:nvPr>
+            <p:ph type="sldImg"/>
+          </p:nvPr>
+        </p:nvSpPr>
+        <p:spPr/>
+      </p:sp>
+      <p:sp>
+        <p:nvSpPr>
+          <p:cNvPr id="3" name="Notes Placeholder 2"/>
+          <p:cNvSpPr>
+            <a:spLocks noGrp="1"/>
+          </p:cNvSpPr>
+          <p:nvPr>
+            <p:ph type="body" idx="1"/>
+          </p:nvPr>
+        </p:nvSpPr>
+        <p:spPr/>
+        <p:txBody>
+          <a:bodyPr/>
+          <a:lstStyle/>
+          <a:p>
+            <a:r>
+              <a:rPr lang="en-US" smtClean="0"/>
+              <a:t>Tool</a:t>
+            </a:r>
+            <a:r>
+              <a:rPr lang="en-US" baseline="0" smtClean="0"/>
+              <a:t> có sẵn hiện:</a:t>
+            </a:r>
+          </a:p>
+          <a:p>
+            <a:r>
+              <a:rPr lang="en-US" baseline="0" smtClean="0"/>
+              <a:t>_ App window sử dụng offline: foxit, pdf,…</a:t>
+            </a:r>
+          </a:p>
+          <a:p>
+            <a:r>
+              <a:rPr lang="en-US" smtClean="0"/>
+              <a:t>_ </a:t>
+            </a:r>
+            <a:endParaRPr lang="en-US"/>
+          </a:p>
+        </p:txBody>
+      </p:sp>
+      <p:sp>
+        <p:nvSpPr>
+          <p:cNvPr id="4" name="Slide Number Placeholder 3"/>
+          <p:cNvSpPr>
+            <a:spLocks noGrp="1"/>
+          </p:cNvSpPr>
+          <p:nvPr>
+            <p:ph type="sldNum" sz="quarter" idx="10"/>
+          </p:nvPr>
+        </p:nvSpPr>
+        <p:spPr/>
+        <p:txBody>
+          <a:bodyPr/>
+          <a:lstStyle/>
+          <a:p>
+            <a:fld id="{8B0546E2-63F4-447E-BC51-453668376C5B}" type="slidenum">
+              <a:rPr lang="en-US" smtClean="0"/>
+              <a:t>4</a:t>
+            </a:fld>
+            <a:endParaRPr lang="en-US"/>
+          </a:p>
+        </p:txBody>
+      </p:sp>
+    </p:spTree>
+    <p:extLst>
+      <p:ext uri="{BB962C8B-B14F-4D97-AF65-F5344CB8AC3E}">
+        <p14:creationId xmlns:p14="http://schemas.microsoft.com/office/powerpoint/2010/main" val="2243127977"/>
+      </p:ext>
+    </p:extLst>
+  </p:cSld>
+  <p:clrMapOvr>
+    <a:masterClrMapping/>
+  </p:clrMapOvr>
+</p:notes>
+</file>
+
+<file path=ppt/notesSlides/notesSlide3.xml><?xml version="1.0" encoding="utf-8"?>
+<p:notes xmlns:a="http://schemas.openxmlformats.org/drawingml/2006/main" xmlns:r="http://schemas.openxmlformats.org/officeDocument/2006/relationships" xmlns:p="http://schemas.openxmlformats.org/presentationml/2006/main">
+  <p:cSld>
+    <p:spTree>
+      <p:nvGrpSpPr>
+        <p:cNvPr id="1" name=""/>
+        <p:cNvGrpSpPr/>
+        <p:nvPr/>
+      </p:nvGrpSpPr>
+      <p:grpSpPr>
+        <a:xfrm>
+          <a:off x="0" y="0"/>
+          <a:ext cx="0" cy="0"/>
+          <a:chOff x="0" y="0"/>
+          <a:chExt cx="0" cy="0"/>
+        </a:xfrm>
+      </p:grpSpPr>
+      <p:sp>
+        <p:nvSpPr>
+          <p:cNvPr id="2" name="Slide Image Placeholder 1"/>
+          <p:cNvSpPr>
+            <a:spLocks noGrp="1" noRot="1" noChangeAspect="1"/>
+          </p:cNvSpPr>
+          <p:nvPr>
+            <p:ph type="sldImg"/>
+          </p:nvPr>
+        </p:nvSpPr>
+        <p:spPr/>
+      </p:sp>
+      <p:sp>
+        <p:nvSpPr>
+          <p:cNvPr id="3" name="Notes Placeholder 2"/>
+          <p:cNvSpPr>
+            <a:spLocks noGrp="1"/>
+          </p:cNvSpPr>
+          <p:nvPr>
+            <p:ph type="body" idx="1"/>
+          </p:nvPr>
+        </p:nvSpPr>
+        <p:spPr/>
+        <p:txBody>
+          <a:bodyPr/>
+          <a:lstStyle/>
+          <a:p>
+            <a:r>
+              <a:rPr lang="en-US" smtClean="0"/>
+              <a:t>Xây</a:t>
+            </a:r>
+            <a:r>
+              <a:rPr lang="en-US" baseline="0" smtClean="0"/>
+              <a:t> dựng công cụ hỗ trợ học sinh sinh viên có thể đọc sách pdf bằng tiếng anh 1 cách thuận tiện nhất có thể, giúp việc tiếp </a:t>
+            </a:r>
+            <a:r>
+              <a:rPr lang="en-US" i="1" baseline="0" smtClean="0"/>
+              <a:t>thu kiến thức được liền mạch</a:t>
+            </a:r>
+            <a:r>
+              <a:rPr lang="en-US" baseline="0" smtClean="0"/>
+              <a:t> thay vì phải switch tab liên tục tránh bị xao lãng, mất tập trung, đồng thời giúp học sinh sinh viên trau dồi vốn tiếng anh của mình bằng cách </a:t>
+            </a:r>
+            <a:r>
+              <a:rPr lang="en-US" i="1" baseline="0" smtClean="0"/>
+              <a:t>lưu từ vựng đã search</a:t>
+            </a:r>
+            <a:r>
+              <a:rPr lang="en-US" baseline="0" smtClean="0"/>
+              <a:t> vào kho từ vựng và chủ động ôn tập lại. </a:t>
+            </a:r>
+            <a:r>
+              <a:rPr lang="en-US" i="1" baseline="0" smtClean="0"/>
+              <a:t>Quản lý sách dễ dàng, có thể đọc ở bất kỳ đâu, bất kỳ hệ điều hành nào</a:t>
+            </a:r>
+            <a:r>
+              <a:rPr lang="en-US" baseline="0" smtClean="0"/>
+              <a:t>. Giao diện tối giản để có thể tối ưu use case. Và sau cùng đề tài cố gắng hoàn thiện UX để người dùng có thể sử dụng app một cách đơn giản, </a:t>
+            </a:r>
+          </a:p>
+        </p:txBody>
+      </p:sp>
+      <p:sp>
+        <p:nvSpPr>
+          <p:cNvPr id="4" name="Slide Number Placeholder 3"/>
+          <p:cNvSpPr>
+            <a:spLocks noGrp="1"/>
+          </p:cNvSpPr>
+          <p:nvPr>
+            <p:ph type="sldNum" sz="quarter" idx="10"/>
+          </p:nvPr>
+        </p:nvSpPr>
+        <p:spPr/>
+        <p:txBody>
+          <a:bodyPr/>
+          <a:lstStyle/>
+          <a:p>
+            <a:fld id="{8B0546E2-63F4-447E-BC51-453668376C5B}" type="slidenum">
+              <a:rPr lang="en-US" smtClean="0"/>
+              <a:t>5</a:t>
+            </a:fld>
+            <a:endParaRPr lang="en-US"/>
+          </a:p>
+        </p:txBody>
+      </p:sp>
+    </p:spTree>
+    <p:extLst>
+      <p:ext uri="{BB962C8B-B14F-4D97-AF65-F5344CB8AC3E}">
+        <p14:creationId xmlns:p14="http://schemas.microsoft.com/office/powerpoint/2010/main" val="1068244808"/>
+      </p:ext>
+    </p:extLst>
+  </p:cSld>
+  <p:clrMapOvr>
+    <a:masterClrMapping/>
+  </p:clrMapOvr>
+</p:notes>
 </file>
 
 <file path=ppt/slideLayouts/slideLayout1.xml><?xml version="1.0" encoding="utf-8"?>
@@ -4125,8 +4873,8 @@
         </p:nvSpPr>
         <p:spPr bwMode="auto">
           <a:xfrm>
-            <a:off x="-7257" y="3375818"/>
-            <a:ext cx="9154886" cy="1500982"/>
+            <a:off x="1206500" y="3311128"/>
+            <a:ext cx="6709228" cy="1500982"/>
           </a:xfrm>
           <a:prstGeom prst="rect">
             <a:avLst/>
@@ -5004,6 +5752,13 @@
   <p:clrMapOvr>
     <a:masterClrMapping/>
   </p:clrMapOvr>
+  <p:timing>
+    <p:tnLst>
+      <p:par>
+        <p:cTn id="1" dur="indefinite" restart="never" nodeType="tmRoot"/>
+      </p:par>
+    </p:tnLst>
+  </p:timing>
 </p:sld>
 </file>
 
@@ -5040,11 +5795,20 @@
             <p:ph type="title"/>
           </p:nvPr>
         </p:nvSpPr>
-        <p:spPr/>
+        <p:spPr>
+          <a:xfrm>
+            <a:off x="1828800" y="304800"/>
+            <a:ext cx="7086600" cy="944563"/>
+          </a:xfrm>
+        </p:spPr>
         <p:txBody>
           <a:bodyPr/>
           <a:lstStyle/>
           <a:p>
+            <a:r>
+              <a:rPr lang="en-US" altLang="en-US" dirty="0" smtClean="0"/>
+              <a:t>KẾT LUẬN</a:t>
+            </a:r>
             <a:endParaRPr lang="en-US" altLang="en-US" dirty="0"/>
           </a:p>
         </p:txBody>
@@ -5075,6 +5839,10 @@
           <a:bodyPr/>
           <a:lstStyle/>
           <a:p>
+            <a:r>
+              <a:rPr lang="en-US" altLang="en-US" dirty="0" smtClean="0"/>
+              <a:t>HẠN CHẾ</a:t>
+            </a:r>
             <a:endParaRPr lang="en-US" altLang="en-US" dirty="0"/>
           </a:p>
         </p:txBody>
@@ -5082,7 +5850,7 @@
     </p:spTree>
     <p:extLst>
       <p:ext uri="{BB962C8B-B14F-4D97-AF65-F5344CB8AC3E}">
-        <p14:creationId xmlns:p14="http://schemas.microsoft.com/office/powerpoint/2010/main" val="3516231526"/>
+        <p14:creationId xmlns:p14="http://schemas.microsoft.com/office/powerpoint/2010/main" val="1724233368"/>
       </p:ext>
     </p:extLst>
   </p:cSld>
@@ -5167,7 +5935,7 @@
     </p:spTree>
     <p:extLst>
       <p:ext uri="{BB962C8B-B14F-4D97-AF65-F5344CB8AC3E}">
-        <p14:creationId xmlns:p14="http://schemas.microsoft.com/office/powerpoint/2010/main" val="2348801474"/>
+        <p14:creationId xmlns:p14="http://schemas.microsoft.com/office/powerpoint/2010/main" val="3516231526"/>
       </p:ext>
     </p:extLst>
   </p:cSld>
@@ -5178,2042 +5946,6 @@
 </file>
 
 <file path=ppt/slides/slide12.xml><?xml version="1.0" encoding="utf-8"?>
-<p:sld xmlns:a="http://schemas.openxmlformats.org/drawingml/2006/main" xmlns:r="http://schemas.openxmlformats.org/officeDocument/2006/relationships" xmlns:p="http://schemas.openxmlformats.org/presentationml/2006/main">
-  <p:cSld>
-    <p:spTree>
-      <p:nvGrpSpPr>
-        <p:cNvPr id="1" name=""/>
-        <p:cNvGrpSpPr/>
-        <p:nvPr/>
-      </p:nvGrpSpPr>
-      <p:grpSpPr>
-        <a:xfrm>
-          <a:off x="0" y="0"/>
-          <a:ext cx="0" cy="0"/>
-          <a:chOff x="0" y="0"/>
-          <a:chExt cx="0" cy="0"/>
-        </a:xfrm>
-      </p:grpSpPr>
-      <p:sp>
-        <p:nvSpPr>
-          <p:cNvPr id="25602" name="Rectangle 2">
-            <a:extLst>
-              <a:ext uri="{FF2B5EF4-FFF2-40B4-BE49-F238E27FC236}">
-                <a16:creationId xmlns:a16="http://schemas.microsoft.com/office/drawing/2014/main" id="{D09A8D8C-80F7-440C-BEF1-9EFA4CBAAA33}"/>
-              </a:ext>
-            </a:extLst>
-          </p:cNvPr>
-          <p:cNvSpPr>
-            <a:spLocks noGrp="1" noChangeArrowheads="1"/>
-          </p:cNvSpPr>
-          <p:nvPr>
-            <p:ph type="title"/>
-          </p:nvPr>
-        </p:nvSpPr>
-        <p:spPr/>
-        <p:txBody>
-          <a:bodyPr/>
-          <a:lstStyle/>
-          <a:p>
-            <a:endParaRPr lang="en-US" altLang="en-US" dirty="0"/>
-          </a:p>
-        </p:txBody>
-      </p:sp>
-      <p:sp>
-        <p:nvSpPr>
-          <p:cNvPr id="25603" name="Rectangle 3">
-            <a:extLst>
-              <a:ext uri="{FF2B5EF4-FFF2-40B4-BE49-F238E27FC236}">
-                <a16:creationId xmlns:a16="http://schemas.microsoft.com/office/drawing/2014/main" id="{2EE127BF-401A-4C36-A14A-872ADB44AB18}"/>
-              </a:ext>
-            </a:extLst>
-          </p:cNvPr>
-          <p:cNvSpPr>
-            <a:spLocks noGrp="1" noChangeArrowheads="1"/>
-          </p:cNvSpPr>
-          <p:nvPr>
-            <p:ph type="body" idx="1"/>
-          </p:nvPr>
-        </p:nvSpPr>
-        <p:spPr>
-          <a:xfrm>
-            <a:off x="762000" y="1633538"/>
-            <a:ext cx="8077200" cy="4767262"/>
-          </a:xfrm>
-        </p:spPr>
-        <p:txBody>
-          <a:bodyPr/>
-          <a:lstStyle/>
-          <a:p>
-            <a:endParaRPr lang="en-US" altLang="en-US" dirty="0"/>
-          </a:p>
-        </p:txBody>
-      </p:sp>
-    </p:spTree>
-    <p:extLst>
-      <p:ext uri="{BB962C8B-B14F-4D97-AF65-F5344CB8AC3E}">
-        <p14:creationId xmlns:p14="http://schemas.microsoft.com/office/powerpoint/2010/main" val="2212368071"/>
-      </p:ext>
-    </p:extLst>
-  </p:cSld>
-  <p:clrMapOvr>
-    <a:masterClrMapping/>
-  </p:clrMapOvr>
-</p:sld>
-</file>
-
-<file path=ppt/slides/slide13.xml><?xml version="1.0" encoding="utf-8"?>
-<p:sld xmlns:a="http://schemas.openxmlformats.org/drawingml/2006/main" xmlns:r="http://schemas.openxmlformats.org/officeDocument/2006/relationships" xmlns:p="http://schemas.openxmlformats.org/presentationml/2006/main">
-  <p:cSld>
-    <p:spTree>
-      <p:nvGrpSpPr>
-        <p:cNvPr id="1" name=""/>
-        <p:cNvGrpSpPr/>
-        <p:nvPr/>
-      </p:nvGrpSpPr>
-      <p:grpSpPr>
-        <a:xfrm>
-          <a:off x="0" y="0"/>
-          <a:ext cx="0" cy="0"/>
-          <a:chOff x="0" y="0"/>
-          <a:chExt cx="0" cy="0"/>
-        </a:xfrm>
-      </p:grpSpPr>
-      <p:sp>
-        <p:nvSpPr>
-          <p:cNvPr id="25602" name="Rectangle 2">
-            <a:extLst>
-              <a:ext uri="{FF2B5EF4-FFF2-40B4-BE49-F238E27FC236}">
-                <a16:creationId xmlns:a16="http://schemas.microsoft.com/office/drawing/2014/main" id="{D09A8D8C-80F7-440C-BEF1-9EFA4CBAAA33}"/>
-              </a:ext>
-            </a:extLst>
-          </p:cNvPr>
-          <p:cNvSpPr>
-            <a:spLocks noGrp="1" noChangeArrowheads="1"/>
-          </p:cNvSpPr>
-          <p:nvPr>
-            <p:ph type="title"/>
-          </p:nvPr>
-        </p:nvSpPr>
-        <p:spPr/>
-        <p:txBody>
-          <a:bodyPr/>
-          <a:lstStyle/>
-          <a:p>
-            <a:r>
-              <a:rPr lang="en-US" altLang="en-US" dirty="0" smtClean="0"/>
-              <a:t>LỊCH SỬ GIẢI QUYẾT VẤN ĐỀ</a:t>
-            </a:r>
-            <a:endParaRPr lang="en-US" altLang="en-US" dirty="0"/>
-          </a:p>
-        </p:txBody>
-      </p:sp>
-      <p:sp>
-        <p:nvSpPr>
-          <p:cNvPr id="25603" name="Rectangle 3">
-            <a:extLst>
-              <a:ext uri="{FF2B5EF4-FFF2-40B4-BE49-F238E27FC236}">
-                <a16:creationId xmlns:a16="http://schemas.microsoft.com/office/drawing/2014/main" id="{2EE127BF-401A-4C36-A14A-872ADB44AB18}"/>
-              </a:ext>
-            </a:extLst>
-          </p:cNvPr>
-          <p:cNvSpPr>
-            <a:spLocks noGrp="1" noChangeArrowheads="1"/>
-          </p:cNvSpPr>
-          <p:nvPr>
-            <p:ph type="body" idx="1"/>
-          </p:nvPr>
-        </p:nvSpPr>
-        <p:spPr>
-          <a:xfrm>
-            <a:off x="762000" y="1633538"/>
-            <a:ext cx="8077200" cy="4767262"/>
-          </a:xfrm>
-        </p:spPr>
-        <p:txBody>
-          <a:bodyPr/>
-          <a:lstStyle/>
-          <a:p>
-            <a:endParaRPr lang="en-US" altLang="en-US"/>
-          </a:p>
-        </p:txBody>
-      </p:sp>
-    </p:spTree>
-    <p:extLst>
-      <p:ext uri="{BB962C8B-B14F-4D97-AF65-F5344CB8AC3E}">
-        <p14:creationId xmlns:p14="http://schemas.microsoft.com/office/powerpoint/2010/main" val="2626171294"/>
-      </p:ext>
-    </p:extLst>
-  </p:cSld>
-  <p:clrMapOvr>
-    <a:masterClrMapping/>
-  </p:clrMapOvr>
-</p:sld>
-</file>
-
-<file path=ppt/slides/slide14.xml><?xml version="1.0" encoding="utf-8"?>
-<p:sld xmlns:a="http://schemas.openxmlformats.org/drawingml/2006/main" xmlns:r="http://schemas.openxmlformats.org/officeDocument/2006/relationships" xmlns:p="http://schemas.openxmlformats.org/presentationml/2006/main">
-  <p:cSld>
-    <p:spTree>
-      <p:nvGrpSpPr>
-        <p:cNvPr id="1" name=""/>
-        <p:cNvGrpSpPr/>
-        <p:nvPr/>
-      </p:nvGrpSpPr>
-      <p:grpSpPr>
-        <a:xfrm>
-          <a:off x="0" y="0"/>
-          <a:ext cx="0" cy="0"/>
-          <a:chOff x="0" y="0"/>
-          <a:chExt cx="0" cy="0"/>
-        </a:xfrm>
-      </p:grpSpPr>
-      <p:sp>
-        <p:nvSpPr>
-          <p:cNvPr id="25602" name="Rectangle 2">
-            <a:extLst>
-              <a:ext uri="{FF2B5EF4-FFF2-40B4-BE49-F238E27FC236}">
-                <a16:creationId xmlns:a16="http://schemas.microsoft.com/office/drawing/2014/main" id="{D09A8D8C-80F7-440C-BEF1-9EFA4CBAAA33}"/>
-              </a:ext>
-            </a:extLst>
-          </p:cNvPr>
-          <p:cNvSpPr>
-            <a:spLocks noGrp="1" noChangeArrowheads="1"/>
-          </p:cNvSpPr>
-          <p:nvPr>
-            <p:ph type="title"/>
-          </p:nvPr>
-        </p:nvSpPr>
-        <p:spPr/>
-        <p:txBody>
-          <a:bodyPr/>
-          <a:lstStyle/>
-          <a:p>
-            <a:endParaRPr lang="en-US" altLang="en-US" dirty="0"/>
-          </a:p>
-        </p:txBody>
-      </p:sp>
-      <p:sp>
-        <p:nvSpPr>
-          <p:cNvPr id="25603" name="Rectangle 3">
-            <a:extLst>
-              <a:ext uri="{FF2B5EF4-FFF2-40B4-BE49-F238E27FC236}">
-                <a16:creationId xmlns:a16="http://schemas.microsoft.com/office/drawing/2014/main" id="{2EE127BF-401A-4C36-A14A-872ADB44AB18}"/>
-              </a:ext>
-            </a:extLst>
-          </p:cNvPr>
-          <p:cNvSpPr>
-            <a:spLocks noGrp="1" noChangeArrowheads="1"/>
-          </p:cNvSpPr>
-          <p:nvPr>
-            <p:ph type="body" idx="1"/>
-          </p:nvPr>
-        </p:nvSpPr>
-        <p:spPr>
-          <a:xfrm>
-            <a:off x="762000" y="1633538"/>
-            <a:ext cx="8077200" cy="4767262"/>
-          </a:xfrm>
-        </p:spPr>
-        <p:txBody>
-          <a:bodyPr/>
-          <a:lstStyle/>
-          <a:p>
-            <a:endParaRPr lang="en-US" altLang="en-US" dirty="0"/>
-          </a:p>
-        </p:txBody>
-      </p:sp>
-    </p:spTree>
-    <p:extLst>
-      <p:ext uri="{BB962C8B-B14F-4D97-AF65-F5344CB8AC3E}">
-        <p14:creationId xmlns:p14="http://schemas.microsoft.com/office/powerpoint/2010/main" val="3616714803"/>
-      </p:ext>
-    </p:extLst>
-  </p:cSld>
-  <p:clrMapOvr>
-    <a:masterClrMapping/>
-  </p:clrMapOvr>
-</p:sld>
-</file>
-
-<file path=ppt/slides/slide15.xml><?xml version="1.0" encoding="utf-8"?>
-<p:sld xmlns:a="http://schemas.openxmlformats.org/drawingml/2006/main" xmlns:r="http://schemas.openxmlformats.org/officeDocument/2006/relationships" xmlns:p="http://schemas.openxmlformats.org/presentationml/2006/main">
-  <p:cSld>
-    <p:spTree>
-      <p:nvGrpSpPr>
-        <p:cNvPr id="1" name=""/>
-        <p:cNvGrpSpPr/>
-        <p:nvPr/>
-      </p:nvGrpSpPr>
-      <p:grpSpPr>
-        <a:xfrm>
-          <a:off x="0" y="0"/>
-          <a:ext cx="0" cy="0"/>
-          <a:chOff x="0" y="0"/>
-          <a:chExt cx="0" cy="0"/>
-        </a:xfrm>
-      </p:grpSpPr>
-      <p:sp>
-        <p:nvSpPr>
-          <p:cNvPr id="25602" name="Rectangle 2">
-            <a:extLst>
-              <a:ext uri="{FF2B5EF4-FFF2-40B4-BE49-F238E27FC236}">
-                <a16:creationId xmlns:a16="http://schemas.microsoft.com/office/drawing/2014/main" id="{D09A8D8C-80F7-440C-BEF1-9EFA4CBAAA33}"/>
-              </a:ext>
-            </a:extLst>
-          </p:cNvPr>
-          <p:cNvSpPr>
-            <a:spLocks noGrp="1" noChangeArrowheads="1"/>
-          </p:cNvSpPr>
-          <p:nvPr>
-            <p:ph type="title"/>
-          </p:nvPr>
-        </p:nvSpPr>
-        <p:spPr/>
-        <p:txBody>
-          <a:bodyPr/>
-          <a:lstStyle/>
-          <a:p>
-            <a:endParaRPr lang="en-US" altLang="en-US" dirty="0"/>
-          </a:p>
-        </p:txBody>
-      </p:sp>
-      <p:sp>
-        <p:nvSpPr>
-          <p:cNvPr id="25603" name="Rectangle 3">
-            <a:extLst>
-              <a:ext uri="{FF2B5EF4-FFF2-40B4-BE49-F238E27FC236}">
-                <a16:creationId xmlns:a16="http://schemas.microsoft.com/office/drawing/2014/main" id="{2EE127BF-401A-4C36-A14A-872ADB44AB18}"/>
-              </a:ext>
-            </a:extLst>
-          </p:cNvPr>
-          <p:cNvSpPr>
-            <a:spLocks noGrp="1" noChangeArrowheads="1"/>
-          </p:cNvSpPr>
-          <p:nvPr>
-            <p:ph type="body" idx="1"/>
-          </p:nvPr>
-        </p:nvSpPr>
-        <p:spPr>
-          <a:xfrm>
-            <a:off x="762000" y="1633538"/>
-            <a:ext cx="8077200" cy="4767262"/>
-          </a:xfrm>
-        </p:spPr>
-        <p:txBody>
-          <a:bodyPr/>
-          <a:lstStyle/>
-          <a:p>
-            <a:endParaRPr lang="en-US" altLang="en-US" dirty="0"/>
-          </a:p>
-        </p:txBody>
-      </p:sp>
-    </p:spTree>
-    <p:extLst>
-      <p:ext uri="{BB962C8B-B14F-4D97-AF65-F5344CB8AC3E}">
-        <p14:creationId xmlns:p14="http://schemas.microsoft.com/office/powerpoint/2010/main" val="2899840518"/>
-      </p:ext>
-    </p:extLst>
-  </p:cSld>
-  <p:clrMapOvr>
-    <a:masterClrMapping/>
-  </p:clrMapOvr>
-</p:sld>
-</file>
-
-<file path=ppt/slides/slide16.xml><?xml version="1.0" encoding="utf-8"?>
-<p:sld xmlns:a="http://schemas.openxmlformats.org/drawingml/2006/main" xmlns:r="http://schemas.openxmlformats.org/officeDocument/2006/relationships" xmlns:p="http://schemas.openxmlformats.org/presentationml/2006/main">
-  <p:cSld>
-    <p:spTree>
-      <p:nvGrpSpPr>
-        <p:cNvPr id="1" name=""/>
-        <p:cNvGrpSpPr/>
-        <p:nvPr/>
-      </p:nvGrpSpPr>
-      <p:grpSpPr>
-        <a:xfrm>
-          <a:off x="0" y="0"/>
-          <a:ext cx="0" cy="0"/>
-          <a:chOff x="0" y="0"/>
-          <a:chExt cx="0" cy="0"/>
-        </a:xfrm>
-      </p:grpSpPr>
-      <p:sp>
-        <p:nvSpPr>
-          <p:cNvPr id="25602" name="Rectangle 2">
-            <a:extLst>
-              <a:ext uri="{FF2B5EF4-FFF2-40B4-BE49-F238E27FC236}">
-                <a16:creationId xmlns:a16="http://schemas.microsoft.com/office/drawing/2014/main" id="{D09A8D8C-80F7-440C-BEF1-9EFA4CBAAA33}"/>
-              </a:ext>
-            </a:extLst>
-          </p:cNvPr>
-          <p:cNvSpPr>
-            <a:spLocks noGrp="1" noChangeArrowheads="1"/>
-          </p:cNvSpPr>
-          <p:nvPr>
-            <p:ph type="title"/>
-          </p:nvPr>
-        </p:nvSpPr>
-        <p:spPr/>
-        <p:txBody>
-          <a:bodyPr/>
-          <a:lstStyle/>
-          <a:p>
-            <a:endParaRPr lang="en-US" altLang="en-US" dirty="0"/>
-          </a:p>
-        </p:txBody>
-      </p:sp>
-      <p:sp>
-        <p:nvSpPr>
-          <p:cNvPr id="25603" name="Rectangle 3">
-            <a:extLst>
-              <a:ext uri="{FF2B5EF4-FFF2-40B4-BE49-F238E27FC236}">
-                <a16:creationId xmlns:a16="http://schemas.microsoft.com/office/drawing/2014/main" id="{2EE127BF-401A-4C36-A14A-872ADB44AB18}"/>
-              </a:ext>
-            </a:extLst>
-          </p:cNvPr>
-          <p:cNvSpPr>
-            <a:spLocks noGrp="1" noChangeArrowheads="1"/>
-          </p:cNvSpPr>
-          <p:nvPr>
-            <p:ph type="body" idx="1"/>
-          </p:nvPr>
-        </p:nvSpPr>
-        <p:spPr>
-          <a:xfrm>
-            <a:off x="762000" y="1633538"/>
-            <a:ext cx="8077200" cy="4767262"/>
-          </a:xfrm>
-        </p:spPr>
-        <p:txBody>
-          <a:bodyPr/>
-          <a:lstStyle/>
-          <a:p>
-            <a:endParaRPr lang="en-US" altLang="en-US" dirty="0"/>
-          </a:p>
-        </p:txBody>
-      </p:sp>
-    </p:spTree>
-    <p:extLst>
-      <p:ext uri="{BB962C8B-B14F-4D97-AF65-F5344CB8AC3E}">
-        <p14:creationId xmlns:p14="http://schemas.microsoft.com/office/powerpoint/2010/main" val="433317749"/>
-      </p:ext>
-    </p:extLst>
-  </p:cSld>
-  <p:clrMapOvr>
-    <a:masterClrMapping/>
-  </p:clrMapOvr>
-</p:sld>
-</file>
-
-<file path=ppt/slides/slide17.xml><?xml version="1.0" encoding="utf-8"?>
-<p:sld xmlns:a="http://schemas.openxmlformats.org/drawingml/2006/main" xmlns:r="http://schemas.openxmlformats.org/officeDocument/2006/relationships" xmlns:p="http://schemas.openxmlformats.org/presentationml/2006/main">
-  <p:cSld>
-    <p:spTree>
-      <p:nvGrpSpPr>
-        <p:cNvPr id="1" name=""/>
-        <p:cNvGrpSpPr/>
-        <p:nvPr/>
-      </p:nvGrpSpPr>
-      <p:grpSpPr>
-        <a:xfrm>
-          <a:off x="0" y="0"/>
-          <a:ext cx="0" cy="0"/>
-          <a:chOff x="0" y="0"/>
-          <a:chExt cx="0" cy="0"/>
-        </a:xfrm>
-      </p:grpSpPr>
-      <p:sp>
-        <p:nvSpPr>
-          <p:cNvPr id="25602" name="Rectangle 2">
-            <a:extLst>
-              <a:ext uri="{FF2B5EF4-FFF2-40B4-BE49-F238E27FC236}">
-                <a16:creationId xmlns:a16="http://schemas.microsoft.com/office/drawing/2014/main" id="{D09A8D8C-80F7-440C-BEF1-9EFA4CBAAA33}"/>
-              </a:ext>
-            </a:extLst>
-          </p:cNvPr>
-          <p:cNvSpPr>
-            <a:spLocks noGrp="1" noChangeArrowheads="1"/>
-          </p:cNvSpPr>
-          <p:nvPr>
-            <p:ph type="title"/>
-          </p:nvPr>
-        </p:nvSpPr>
-        <p:spPr/>
-        <p:txBody>
-          <a:bodyPr/>
-          <a:lstStyle/>
-          <a:p>
-            <a:endParaRPr lang="en-US" altLang="en-US" dirty="0"/>
-          </a:p>
-        </p:txBody>
-      </p:sp>
-      <p:sp>
-        <p:nvSpPr>
-          <p:cNvPr id="25603" name="Rectangle 3">
-            <a:extLst>
-              <a:ext uri="{FF2B5EF4-FFF2-40B4-BE49-F238E27FC236}">
-                <a16:creationId xmlns:a16="http://schemas.microsoft.com/office/drawing/2014/main" id="{2EE127BF-401A-4C36-A14A-872ADB44AB18}"/>
-              </a:ext>
-            </a:extLst>
-          </p:cNvPr>
-          <p:cNvSpPr>
-            <a:spLocks noGrp="1" noChangeArrowheads="1"/>
-          </p:cNvSpPr>
-          <p:nvPr>
-            <p:ph type="body" idx="1"/>
-          </p:nvPr>
-        </p:nvSpPr>
-        <p:spPr>
-          <a:xfrm>
-            <a:off x="762000" y="1633538"/>
-            <a:ext cx="8077200" cy="4767262"/>
-          </a:xfrm>
-        </p:spPr>
-        <p:txBody>
-          <a:bodyPr/>
-          <a:lstStyle/>
-          <a:p>
-            <a:endParaRPr lang="en-US" altLang="en-US" dirty="0"/>
-          </a:p>
-        </p:txBody>
-      </p:sp>
-    </p:spTree>
-    <p:extLst>
-      <p:ext uri="{BB962C8B-B14F-4D97-AF65-F5344CB8AC3E}">
-        <p14:creationId xmlns:p14="http://schemas.microsoft.com/office/powerpoint/2010/main" val="2536478045"/>
-      </p:ext>
-    </p:extLst>
-  </p:cSld>
-  <p:clrMapOvr>
-    <a:masterClrMapping/>
-  </p:clrMapOvr>
-</p:sld>
-</file>
-
-<file path=ppt/slides/slide18.xml><?xml version="1.0" encoding="utf-8"?>
-<p:sld xmlns:a="http://schemas.openxmlformats.org/drawingml/2006/main" xmlns:r="http://schemas.openxmlformats.org/officeDocument/2006/relationships" xmlns:p="http://schemas.openxmlformats.org/presentationml/2006/main">
-  <p:cSld>
-    <p:spTree>
-      <p:nvGrpSpPr>
-        <p:cNvPr id="1" name=""/>
-        <p:cNvGrpSpPr/>
-        <p:nvPr/>
-      </p:nvGrpSpPr>
-      <p:grpSpPr>
-        <a:xfrm>
-          <a:off x="0" y="0"/>
-          <a:ext cx="0" cy="0"/>
-          <a:chOff x="0" y="0"/>
-          <a:chExt cx="0" cy="0"/>
-        </a:xfrm>
-      </p:grpSpPr>
-      <p:sp>
-        <p:nvSpPr>
-          <p:cNvPr id="25602" name="Rectangle 2">
-            <a:extLst>
-              <a:ext uri="{FF2B5EF4-FFF2-40B4-BE49-F238E27FC236}">
-                <a16:creationId xmlns:a16="http://schemas.microsoft.com/office/drawing/2014/main" id="{D09A8D8C-80F7-440C-BEF1-9EFA4CBAAA33}"/>
-              </a:ext>
-            </a:extLst>
-          </p:cNvPr>
-          <p:cNvSpPr>
-            <a:spLocks noGrp="1" noChangeArrowheads="1"/>
-          </p:cNvSpPr>
-          <p:nvPr>
-            <p:ph type="title"/>
-          </p:nvPr>
-        </p:nvSpPr>
-        <p:spPr/>
-        <p:txBody>
-          <a:bodyPr/>
-          <a:lstStyle/>
-          <a:p>
-            <a:r>
-              <a:rPr lang="en-US" altLang="en-US" dirty="0" smtClean="0"/>
-              <a:t>LỊCH SỬ GIẢI QUYẾT VẤN ĐỀ</a:t>
-            </a:r>
-            <a:endParaRPr lang="en-US" altLang="en-US" dirty="0"/>
-          </a:p>
-        </p:txBody>
-      </p:sp>
-      <p:sp>
-        <p:nvSpPr>
-          <p:cNvPr id="25603" name="Rectangle 3">
-            <a:extLst>
-              <a:ext uri="{FF2B5EF4-FFF2-40B4-BE49-F238E27FC236}">
-                <a16:creationId xmlns:a16="http://schemas.microsoft.com/office/drawing/2014/main" id="{2EE127BF-401A-4C36-A14A-872ADB44AB18}"/>
-              </a:ext>
-            </a:extLst>
-          </p:cNvPr>
-          <p:cNvSpPr>
-            <a:spLocks noGrp="1" noChangeArrowheads="1"/>
-          </p:cNvSpPr>
-          <p:nvPr>
-            <p:ph type="body" idx="1"/>
-          </p:nvPr>
-        </p:nvSpPr>
-        <p:spPr>
-          <a:xfrm>
-            <a:off x="762000" y="1633538"/>
-            <a:ext cx="8077200" cy="4767262"/>
-          </a:xfrm>
-        </p:spPr>
-        <p:txBody>
-          <a:bodyPr/>
-          <a:lstStyle/>
-          <a:p>
-            <a:endParaRPr lang="en-US" altLang="en-US"/>
-          </a:p>
-        </p:txBody>
-      </p:sp>
-    </p:spTree>
-    <p:extLst>
-      <p:ext uri="{BB962C8B-B14F-4D97-AF65-F5344CB8AC3E}">
-        <p14:creationId xmlns:p14="http://schemas.microsoft.com/office/powerpoint/2010/main" val="452872276"/>
-      </p:ext>
-    </p:extLst>
-  </p:cSld>
-  <p:clrMapOvr>
-    <a:masterClrMapping/>
-  </p:clrMapOvr>
-</p:sld>
-</file>
-
-<file path=ppt/slides/slide19.xml><?xml version="1.0" encoding="utf-8"?>
-<p:sld xmlns:a="http://schemas.openxmlformats.org/drawingml/2006/main" xmlns:r="http://schemas.openxmlformats.org/officeDocument/2006/relationships" xmlns:p="http://schemas.openxmlformats.org/presentationml/2006/main">
-  <p:cSld>
-    <p:spTree>
-      <p:nvGrpSpPr>
-        <p:cNvPr id="1" name=""/>
-        <p:cNvGrpSpPr/>
-        <p:nvPr/>
-      </p:nvGrpSpPr>
-      <p:grpSpPr>
-        <a:xfrm>
-          <a:off x="0" y="0"/>
-          <a:ext cx="0" cy="0"/>
-          <a:chOff x="0" y="0"/>
-          <a:chExt cx="0" cy="0"/>
-        </a:xfrm>
-      </p:grpSpPr>
-      <p:sp>
-        <p:nvSpPr>
-          <p:cNvPr id="25602" name="Rectangle 2">
-            <a:extLst>
-              <a:ext uri="{FF2B5EF4-FFF2-40B4-BE49-F238E27FC236}">
-                <a16:creationId xmlns:a16="http://schemas.microsoft.com/office/drawing/2014/main" id="{D09A8D8C-80F7-440C-BEF1-9EFA4CBAAA33}"/>
-              </a:ext>
-            </a:extLst>
-          </p:cNvPr>
-          <p:cNvSpPr>
-            <a:spLocks noGrp="1" noChangeArrowheads="1"/>
-          </p:cNvSpPr>
-          <p:nvPr>
-            <p:ph type="title"/>
-          </p:nvPr>
-        </p:nvSpPr>
-        <p:spPr/>
-        <p:txBody>
-          <a:bodyPr/>
-          <a:lstStyle/>
-          <a:p>
-            <a:endParaRPr lang="en-US" altLang="en-US" dirty="0"/>
-          </a:p>
-        </p:txBody>
-      </p:sp>
-      <p:sp>
-        <p:nvSpPr>
-          <p:cNvPr id="25603" name="Rectangle 3">
-            <a:extLst>
-              <a:ext uri="{FF2B5EF4-FFF2-40B4-BE49-F238E27FC236}">
-                <a16:creationId xmlns:a16="http://schemas.microsoft.com/office/drawing/2014/main" id="{2EE127BF-401A-4C36-A14A-872ADB44AB18}"/>
-              </a:ext>
-            </a:extLst>
-          </p:cNvPr>
-          <p:cNvSpPr>
-            <a:spLocks noGrp="1" noChangeArrowheads="1"/>
-          </p:cNvSpPr>
-          <p:nvPr>
-            <p:ph type="body" idx="1"/>
-          </p:nvPr>
-        </p:nvSpPr>
-        <p:spPr>
-          <a:xfrm>
-            <a:off x="762000" y="1633538"/>
-            <a:ext cx="8077200" cy="4767262"/>
-          </a:xfrm>
-        </p:spPr>
-        <p:txBody>
-          <a:bodyPr/>
-          <a:lstStyle/>
-          <a:p>
-            <a:endParaRPr lang="en-US" altLang="en-US" dirty="0"/>
-          </a:p>
-        </p:txBody>
-      </p:sp>
-    </p:spTree>
-    <p:extLst>
-      <p:ext uri="{BB962C8B-B14F-4D97-AF65-F5344CB8AC3E}">
-        <p14:creationId xmlns:p14="http://schemas.microsoft.com/office/powerpoint/2010/main" val="612216914"/>
-      </p:ext>
-    </p:extLst>
-  </p:cSld>
-  <p:clrMapOvr>
-    <a:masterClrMapping/>
-  </p:clrMapOvr>
-</p:sld>
-</file>
-
-<file path=ppt/slides/slide2.xml><?xml version="1.0" encoding="utf-8"?>
-<p:sld xmlns:a="http://schemas.openxmlformats.org/drawingml/2006/main" xmlns:r="http://schemas.openxmlformats.org/officeDocument/2006/relationships" xmlns:p="http://schemas.openxmlformats.org/presentationml/2006/main">
-  <p:cSld>
-    <p:spTree>
-      <p:nvGrpSpPr>
-        <p:cNvPr id="1" name=""/>
-        <p:cNvGrpSpPr/>
-        <p:nvPr/>
-      </p:nvGrpSpPr>
-      <p:grpSpPr>
-        <a:xfrm>
-          <a:off x="0" y="0"/>
-          <a:ext cx="0" cy="0"/>
-          <a:chOff x="0" y="0"/>
-          <a:chExt cx="0" cy="0"/>
-        </a:xfrm>
-      </p:grpSpPr>
-      <p:sp>
-        <p:nvSpPr>
-          <p:cNvPr id="25602" name="Rectangle 2">
-            <a:extLst>
-              <a:ext uri="{FF2B5EF4-FFF2-40B4-BE49-F238E27FC236}">
-                <a16:creationId xmlns:a16="http://schemas.microsoft.com/office/drawing/2014/main" id="{D09A8D8C-80F7-440C-BEF1-9EFA4CBAAA33}"/>
-              </a:ext>
-            </a:extLst>
-          </p:cNvPr>
-          <p:cNvSpPr>
-            <a:spLocks noGrp="1" noChangeArrowheads="1"/>
-          </p:cNvSpPr>
-          <p:nvPr>
-            <p:ph type="title"/>
-          </p:nvPr>
-        </p:nvSpPr>
-        <p:spPr/>
-        <p:txBody>
-          <a:bodyPr/>
-          <a:lstStyle/>
-          <a:p>
-            <a:r>
-              <a:rPr lang="en-US" altLang="en-US" dirty="0" smtClean="0">
-                <a:latin typeface="Times New Roman" panose="02020603050405020304" pitchFamily="18" charset="0"/>
-                <a:cs typeface="Times New Roman" panose="02020603050405020304" pitchFamily="18" charset="0"/>
-              </a:rPr>
-              <a:t>NỘI DUNG TRÌNH BÀY</a:t>
-            </a:r>
-            <a:endParaRPr lang="en-US" altLang="en-US" dirty="0">
-              <a:latin typeface="Times New Roman" panose="02020603050405020304" pitchFamily="18" charset="0"/>
-              <a:cs typeface="Times New Roman" panose="02020603050405020304" pitchFamily="18" charset="0"/>
-            </a:endParaRPr>
-          </a:p>
-        </p:txBody>
-      </p:sp>
-      <p:sp>
-        <p:nvSpPr>
-          <p:cNvPr id="25603" name="Rectangle 3">
-            <a:extLst>
-              <a:ext uri="{FF2B5EF4-FFF2-40B4-BE49-F238E27FC236}">
-                <a16:creationId xmlns:a16="http://schemas.microsoft.com/office/drawing/2014/main" id="{2EE127BF-401A-4C36-A14A-872ADB44AB18}"/>
-              </a:ext>
-            </a:extLst>
-          </p:cNvPr>
-          <p:cNvSpPr>
-            <a:spLocks noGrp="1" noChangeArrowheads="1"/>
-          </p:cNvSpPr>
-          <p:nvPr>
-            <p:ph type="body" idx="1"/>
-          </p:nvPr>
-        </p:nvSpPr>
-        <p:spPr>
-          <a:xfrm>
-            <a:off x="609600" y="1905000"/>
-            <a:ext cx="8077200" cy="685800"/>
-          </a:xfrm>
-        </p:spPr>
-        <p:txBody>
-          <a:bodyPr/>
-          <a:lstStyle/>
-          <a:p>
-            <a:pPr marL="0" indent="0">
-              <a:buNone/>
-            </a:pPr>
-            <a:r>
-              <a:rPr lang="en-US" altLang="en-US" dirty="0" smtClean="0"/>
-              <a:t>1. </a:t>
-            </a:r>
-            <a:r>
-              <a:rPr lang="en-US" altLang="en-US" dirty="0" err="1" smtClean="0"/>
-              <a:t>Tổng</a:t>
-            </a:r>
-            <a:r>
-              <a:rPr lang="en-US" altLang="en-US" dirty="0" smtClean="0"/>
-              <a:t> </a:t>
-            </a:r>
-            <a:r>
-              <a:rPr lang="en-US" altLang="en-US" dirty="0" err="1" smtClean="0"/>
-              <a:t>quan</a:t>
-            </a:r>
-            <a:endParaRPr lang="en-US" altLang="en-US" dirty="0"/>
-          </a:p>
-        </p:txBody>
-      </p:sp>
-      <p:sp>
-        <p:nvSpPr>
-          <p:cNvPr id="4" name="Rectangle 3">
-            <a:extLst>
-              <a:ext uri="{FF2B5EF4-FFF2-40B4-BE49-F238E27FC236}">
-                <a16:creationId xmlns:a16="http://schemas.microsoft.com/office/drawing/2014/main" id="{2EE127BF-401A-4C36-A14A-872ADB44AB18}"/>
-              </a:ext>
-            </a:extLst>
-          </p:cNvPr>
-          <p:cNvSpPr txBox="1">
-            <a:spLocks noChangeArrowheads="1"/>
-          </p:cNvSpPr>
-          <p:nvPr/>
-        </p:nvSpPr>
-        <p:spPr bwMode="auto">
-          <a:xfrm>
-            <a:off x="635001" y="2684461"/>
-            <a:ext cx="8077200" cy="674233"/>
-          </a:xfrm>
-          <a:prstGeom prst="rect">
-            <a:avLst/>
-          </a:prstGeom>
-          <a:noFill/>
-          <a:ln>
-            <a:noFill/>
-          </a:ln>
-          <a:effectLst/>
-          <a:extLst>
-            <a:ext uri="{909E8E84-426E-40DD-AFC4-6F175D3DCCD1}">
-              <a14:hiddenFill xmlns:a14="http://schemas.microsoft.com/office/drawing/2010/main">
-                <a:solidFill>
-                  <a:schemeClr val="accent1"/>
-                </a:solidFill>
-              </a14:hiddenFill>
-            </a:ext>
-            <a:ext uri="{91240B29-F687-4F45-9708-019B960494DF}">
-              <a14:hiddenLine xmlns:a14="http://schemas.microsoft.com/office/drawing/2010/main" w="9525">
-                <a:solidFill>
-                  <a:schemeClr val="tx1"/>
-                </a:solidFill>
-                <a:miter lim="800000"/>
-                <a:headEnd/>
-                <a:tailEnd/>
-              </a14:hiddenLine>
-            </a:ext>
-            <a:ext uri="{AF507438-7753-43E0-B8FC-AC1667EBCBE1}">
-              <a14:hiddenEffects xmlns:a14="http://schemas.microsoft.com/office/drawing/2010/main">
-                <a:effectLst>
-                  <a:outerShdw dist="35921" dir="2700000" algn="ctr" rotWithShape="0">
-                    <a:schemeClr val="bg2"/>
-                  </a:outerShdw>
-                </a:effectLst>
-              </a14:hiddenEffects>
-            </a:ext>
-          </a:extLst>
-        </p:spPr>
-        <p:txBody>
-          <a:bodyPr vert="horz" wrap="square" lIns="91440" tIns="45720" rIns="91440" bIns="45720" numCol="1" anchor="t" anchorCtr="0" compatLnSpc="1">
-            <a:prstTxWarp prst="textNoShape">
-              <a:avLst/>
-            </a:prstTxWarp>
-          </a:bodyPr>
-          <a:lstStyle>
-            <a:lvl1pPr marL="342900" indent="-342900" algn="l" rtl="0" fontAlgn="base">
-              <a:spcBef>
-                <a:spcPct val="20000"/>
-              </a:spcBef>
-              <a:spcAft>
-                <a:spcPct val="0"/>
-              </a:spcAft>
-              <a:buChar char="•"/>
-              <a:defRPr sz="2900" kern="1200">
-                <a:solidFill>
-                  <a:srgbClr val="000066"/>
-                </a:solidFill>
-                <a:latin typeface="+mn-lt"/>
-                <a:ea typeface="+mn-ea"/>
-                <a:cs typeface="+mn-cs"/>
-              </a:defRPr>
-            </a:lvl1pPr>
-            <a:lvl2pPr marL="742950" indent="-285750" algn="l" rtl="0" fontAlgn="base">
-              <a:spcBef>
-                <a:spcPct val="20000"/>
-              </a:spcBef>
-              <a:spcAft>
-                <a:spcPct val="0"/>
-              </a:spcAft>
-              <a:buChar char="–"/>
-              <a:defRPr sz="2600" kern="1200">
-                <a:solidFill>
-                  <a:srgbClr val="000066"/>
-                </a:solidFill>
-                <a:latin typeface="+mn-lt"/>
-                <a:ea typeface="+mn-ea"/>
-                <a:cs typeface="+mn-cs"/>
-              </a:defRPr>
-            </a:lvl2pPr>
-            <a:lvl3pPr marL="1143000" indent="-228600" algn="l" rtl="0" fontAlgn="base">
-              <a:spcBef>
-                <a:spcPct val="20000"/>
-              </a:spcBef>
-              <a:spcAft>
-                <a:spcPct val="0"/>
-              </a:spcAft>
-              <a:buChar char="•"/>
-              <a:defRPr sz="2200" kern="1200">
-                <a:solidFill>
-                  <a:srgbClr val="000066"/>
-                </a:solidFill>
-                <a:latin typeface="+mn-lt"/>
-                <a:ea typeface="+mn-ea"/>
-                <a:cs typeface="+mn-cs"/>
-              </a:defRPr>
-            </a:lvl3pPr>
-            <a:lvl4pPr marL="1600200" indent="-228600" algn="l" rtl="0" fontAlgn="base">
-              <a:spcBef>
-                <a:spcPct val="20000"/>
-              </a:spcBef>
-              <a:spcAft>
-                <a:spcPct val="0"/>
-              </a:spcAft>
-              <a:buChar char="–"/>
-              <a:defRPr kern="1200">
-                <a:solidFill>
-                  <a:srgbClr val="000066"/>
-                </a:solidFill>
-                <a:latin typeface="+mn-lt"/>
-                <a:ea typeface="+mn-ea"/>
-                <a:cs typeface="+mn-cs"/>
-              </a:defRPr>
-            </a:lvl4pPr>
-            <a:lvl5pPr marL="2057400" indent="-228600" algn="l" rtl="0" fontAlgn="base">
-              <a:spcBef>
-                <a:spcPct val="20000"/>
-              </a:spcBef>
-              <a:spcAft>
-                <a:spcPct val="0"/>
-              </a:spcAft>
-              <a:buChar char="»"/>
-              <a:defRPr kern="1200">
-                <a:solidFill>
-                  <a:srgbClr val="000066"/>
-                </a:solidFill>
-                <a:latin typeface="+mn-lt"/>
-                <a:ea typeface="+mn-ea"/>
-                <a:cs typeface="+mn-cs"/>
-              </a:defRPr>
-            </a:lvl5pPr>
-            <a:lvl6pPr marL="2514600" indent="-228600" algn="l" defTabSz="914400" rtl="0" eaLnBrk="1" latinLnBrk="0" hangingPunct="1">
-              <a:lnSpc>
-                <a:spcPct val="90000"/>
-              </a:lnSpc>
-              <a:spcBef>
-                <a:spcPts val="500"/>
-              </a:spcBef>
-              <a:buFont typeface="Arial" panose="020B0604020202020204" pitchFamily="34" charset="0"/>
-              <a:buChar char="•"/>
-              <a:defRPr sz="1800" kern="1200">
-                <a:solidFill>
-                  <a:schemeClr val="tx1"/>
-                </a:solidFill>
-                <a:latin typeface="+mn-lt"/>
-                <a:ea typeface="+mn-ea"/>
-                <a:cs typeface="+mn-cs"/>
-              </a:defRPr>
-            </a:lvl6pPr>
-            <a:lvl7pPr marL="2971800" indent="-228600" algn="l" defTabSz="914400" rtl="0" eaLnBrk="1" latinLnBrk="0" hangingPunct="1">
-              <a:lnSpc>
-                <a:spcPct val="90000"/>
-              </a:lnSpc>
-              <a:spcBef>
-                <a:spcPts val="500"/>
-              </a:spcBef>
-              <a:buFont typeface="Arial" panose="020B0604020202020204" pitchFamily="34" charset="0"/>
-              <a:buChar char="•"/>
-              <a:defRPr sz="1800" kern="1200">
-                <a:solidFill>
-                  <a:schemeClr val="tx1"/>
-                </a:solidFill>
-                <a:latin typeface="+mn-lt"/>
-                <a:ea typeface="+mn-ea"/>
-                <a:cs typeface="+mn-cs"/>
-              </a:defRPr>
-            </a:lvl7pPr>
-            <a:lvl8pPr marL="3429000" indent="-228600" algn="l" defTabSz="914400" rtl="0" eaLnBrk="1" latinLnBrk="0" hangingPunct="1">
-              <a:lnSpc>
-                <a:spcPct val="90000"/>
-              </a:lnSpc>
-              <a:spcBef>
-                <a:spcPts val="500"/>
-              </a:spcBef>
-              <a:buFont typeface="Arial" panose="020B0604020202020204" pitchFamily="34" charset="0"/>
-              <a:buChar char="•"/>
-              <a:defRPr sz="1800" kern="1200">
-                <a:solidFill>
-                  <a:schemeClr val="tx1"/>
-                </a:solidFill>
-                <a:latin typeface="+mn-lt"/>
-                <a:ea typeface="+mn-ea"/>
-                <a:cs typeface="+mn-cs"/>
-              </a:defRPr>
-            </a:lvl8pPr>
-            <a:lvl9pPr marL="3886200" indent="-228600" algn="l" defTabSz="914400" rtl="0" eaLnBrk="1" latinLnBrk="0" hangingPunct="1">
-              <a:lnSpc>
-                <a:spcPct val="90000"/>
-              </a:lnSpc>
-              <a:spcBef>
-                <a:spcPts val="500"/>
-              </a:spcBef>
-              <a:buFont typeface="Arial" panose="020B0604020202020204" pitchFamily="34" charset="0"/>
-              <a:buChar char="•"/>
-              <a:defRPr sz="1800" kern="1200">
-                <a:solidFill>
-                  <a:schemeClr val="tx1"/>
-                </a:solidFill>
-                <a:latin typeface="+mn-lt"/>
-                <a:ea typeface="+mn-ea"/>
-                <a:cs typeface="+mn-cs"/>
-              </a:defRPr>
-            </a:lvl9pPr>
-          </a:lstStyle>
-          <a:p>
-            <a:pPr marL="0" indent="0">
-              <a:buFontTx/>
-              <a:buNone/>
-            </a:pPr>
-            <a:r>
-              <a:rPr lang="en-US" altLang="en-US" dirty="0"/>
-              <a:t>2</a:t>
-            </a:r>
-            <a:r>
-              <a:rPr lang="en-US" altLang="en-US" dirty="0" smtClean="0"/>
-              <a:t>. </a:t>
-            </a:r>
-            <a:r>
-              <a:rPr lang="en-US" altLang="en-US" dirty="0" err="1" smtClean="0"/>
-              <a:t>Giải</a:t>
-            </a:r>
-            <a:r>
-              <a:rPr lang="en-US" altLang="en-US" dirty="0" smtClean="0"/>
-              <a:t> </a:t>
-            </a:r>
-            <a:r>
-              <a:rPr lang="en-US" altLang="en-US" dirty="0" err="1" smtClean="0"/>
-              <a:t>pháp</a:t>
-            </a:r>
-            <a:r>
-              <a:rPr lang="en-US" altLang="en-US" dirty="0" smtClean="0"/>
-              <a:t> </a:t>
-            </a:r>
-            <a:r>
-              <a:rPr lang="en-US" altLang="en-US" dirty="0" err="1" smtClean="0"/>
-              <a:t>cho</a:t>
-            </a:r>
-            <a:r>
-              <a:rPr lang="en-US" altLang="en-US" dirty="0" smtClean="0"/>
-              <a:t> </a:t>
-            </a:r>
-            <a:r>
-              <a:rPr lang="en-US" altLang="en-US" dirty="0" err="1" smtClean="0"/>
-              <a:t>vấn</a:t>
-            </a:r>
-            <a:r>
-              <a:rPr lang="en-US" altLang="en-US" dirty="0" smtClean="0"/>
-              <a:t> </a:t>
-            </a:r>
-            <a:r>
-              <a:rPr lang="en-US" altLang="en-US" dirty="0" err="1" smtClean="0"/>
-              <a:t>đề</a:t>
-            </a:r>
-            <a:endParaRPr lang="en-US" altLang="en-US" dirty="0"/>
-          </a:p>
-        </p:txBody>
-      </p:sp>
-      <p:sp>
-        <p:nvSpPr>
-          <p:cNvPr id="5" name="Rectangle 3">
-            <a:extLst>
-              <a:ext uri="{FF2B5EF4-FFF2-40B4-BE49-F238E27FC236}">
-                <a16:creationId xmlns:a16="http://schemas.microsoft.com/office/drawing/2014/main" id="{2EE127BF-401A-4C36-A14A-872ADB44AB18}"/>
-              </a:ext>
-            </a:extLst>
-          </p:cNvPr>
-          <p:cNvSpPr txBox="1">
-            <a:spLocks noChangeArrowheads="1"/>
-          </p:cNvSpPr>
-          <p:nvPr/>
-        </p:nvSpPr>
-        <p:spPr bwMode="auto">
-          <a:xfrm>
-            <a:off x="635001" y="3497262"/>
-            <a:ext cx="8077200" cy="674233"/>
-          </a:xfrm>
-          <a:prstGeom prst="rect">
-            <a:avLst/>
-          </a:prstGeom>
-          <a:noFill/>
-          <a:ln>
-            <a:noFill/>
-          </a:ln>
-          <a:effectLst/>
-          <a:extLst>
-            <a:ext uri="{909E8E84-426E-40DD-AFC4-6F175D3DCCD1}">
-              <a14:hiddenFill xmlns:a14="http://schemas.microsoft.com/office/drawing/2010/main">
-                <a:solidFill>
-                  <a:schemeClr val="accent1"/>
-                </a:solidFill>
-              </a14:hiddenFill>
-            </a:ext>
-            <a:ext uri="{91240B29-F687-4F45-9708-019B960494DF}">
-              <a14:hiddenLine xmlns:a14="http://schemas.microsoft.com/office/drawing/2010/main" w="9525">
-                <a:solidFill>
-                  <a:schemeClr val="tx1"/>
-                </a:solidFill>
-                <a:miter lim="800000"/>
-                <a:headEnd/>
-                <a:tailEnd/>
-              </a14:hiddenLine>
-            </a:ext>
-            <a:ext uri="{AF507438-7753-43E0-B8FC-AC1667EBCBE1}">
-              <a14:hiddenEffects xmlns:a14="http://schemas.microsoft.com/office/drawing/2010/main">
-                <a:effectLst>
-                  <a:outerShdw dist="35921" dir="2700000" algn="ctr" rotWithShape="0">
-                    <a:schemeClr val="bg2"/>
-                  </a:outerShdw>
-                </a:effectLst>
-              </a14:hiddenEffects>
-            </a:ext>
-          </a:extLst>
-        </p:spPr>
-        <p:txBody>
-          <a:bodyPr vert="horz" wrap="square" lIns="91440" tIns="45720" rIns="91440" bIns="45720" numCol="1" anchor="t" anchorCtr="0" compatLnSpc="1">
-            <a:prstTxWarp prst="textNoShape">
-              <a:avLst/>
-            </a:prstTxWarp>
-          </a:bodyPr>
-          <a:lstStyle>
-            <a:lvl1pPr marL="342900" indent="-342900" algn="l" rtl="0" fontAlgn="base">
-              <a:spcBef>
-                <a:spcPct val="20000"/>
-              </a:spcBef>
-              <a:spcAft>
-                <a:spcPct val="0"/>
-              </a:spcAft>
-              <a:buChar char="•"/>
-              <a:defRPr sz="2900" kern="1200">
-                <a:solidFill>
-                  <a:srgbClr val="000066"/>
-                </a:solidFill>
-                <a:latin typeface="+mn-lt"/>
-                <a:ea typeface="+mn-ea"/>
-                <a:cs typeface="+mn-cs"/>
-              </a:defRPr>
-            </a:lvl1pPr>
-            <a:lvl2pPr marL="742950" indent="-285750" algn="l" rtl="0" fontAlgn="base">
-              <a:spcBef>
-                <a:spcPct val="20000"/>
-              </a:spcBef>
-              <a:spcAft>
-                <a:spcPct val="0"/>
-              </a:spcAft>
-              <a:buChar char="–"/>
-              <a:defRPr sz="2600" kern="1200">
-                <a:solidFill>
-                  <a:srgbClr val="000066"/>
-                </a:solidFill>
-                <a:latin typeface="+mn-lt"/>
-                <a:ea typeface="+mn-ea"/>
-                <a:cs typeface="+mn-cs"/>
-              </a:defRPr>
-            </a:lvl2pPr>
-            <a:lvl3pPr marL="1143000" indent="-228600" algn="l" rtl="0" fontAlgn="base">
-              <a:spcBef>
-                <a:spcPct val="20000"/>
-              </a:spcBef>
-              <a:spcAft>
-                <a:spcPct val="0"/>
-              </a:spcAft>
-              <a:buChar char="•"/>
-              <a:defRPr sz="2200" kern="1200">
-                <a:solidFill>
-                  <a:srgbClr val="000066"/>
-                </a:solidFill>
-                <a:latin typeface="+mn-lt"/>
-                <a:ea typeface="+mn-ea"/>
-                <a:cs typeface="+mn-cs"/>
-              </a:defRPr>
-            </a:lvl3pPr>
-            <a:lvl4pPr marL="1600200" indent="-228600" algn="l" rtl="0" fontAlgn="base">
-              <a:spcBef>
-                <a:spcPct val="20000"/>
-              </a:spcBef>
-              <a:spcAft>
-                <a:spcPct val="0"/>
-              </a:spcAft>
-              <a:buChar char="–"/>
-              <a:defRPr kern="1200">
-                <a:solidFill>
-                  <a:srgbClr val="000066"/>
-                </a:solidFill>
-                <a:latin typeface="+mn-lt"/>
-                <a:ea typeface="+mn-ea"/>
-                <a:cs typeface="+mn-cs"/>
-              </a:defRPr>
-            </a:lvl4pPr>
-            <a:lvl5pPr marL="2057400" indent="-228600" algn="l" rtl="0" fontAlgn="base">
-              <a:spcBef>
-                <a:spcPct val="20000"/>
-              </a:spcBef>
-              <a:spcAft>
-                <a:spcPct val="0"/>
-              </a:spcAft>
-              <a:buChar char="»"/>
-              <a:defRPr kern="1200">
-                <a:solidFill>
-                  <a:srgbClr val="000066"/>
-                </a:solidFill>
-                <a:latin typeface="+mn-lt"/>
-                <a:ea typeface="+mn-ea"/>
-                <a:cs typeface="+mn-cs"/>
-              </a:defRPr>
-            </a:lvl5pPr>
-            <a:lvl6pPr marL="2514600" indent="-228600" algn="l" defTabSz="914400" rtl="0" eaLnBrk="1" latinLnBrk="0" hangingPunct="1">
-              <a:lnSpc>
-                <a:spcPct val="90000"/>
-              </a:lnSpc>
-              <a:spcBef>
-                <a:spcPts val="500"/>
-              </a:spcBef>
-              <a:buFont typeface="Arial" panose="020B0604020202020204" pitchFamily="34" charset="0"/>
-              <a:buChar char="•"/>
-              <a:defRPr sz="1800" kern="1200">
-                <a:solidFill>
-                  <a:schemeClr val="tx1"/>
-                </a:solidFill>
-                <a:latin typeface="+mn-lt"/>
-                <a:ea typeface="+mn-ea"/>
-                <a:cs typeface="+mn-cs"/>
-              </a:defRPr>
-            </a:lvl6pPr>
-            <a:lvl7pPr marL="2971800" indent="-228600" algn="l" defTabSz="914400" rtl="0" eaLnBrk="1" latinLnBrk="0" hangingPunct="1">
-              <a:lnSpc>
-                <a:spcPct val="90000"/>
-              </a:lnSpc>
-              <a:spcBef>
-                <a:spcPts val="500"/>
-              </a:spcBef>
-              <a:buFont typeface="Arial" panose="020B0604020202020204" pitchFamily="34" charset="0"/>
-              <a:buChar char="•"/>
-              <a:defRPr sz="1800" kern="1200">
-                <a:solidFill>
-                  <a:schemeClr val="tx1"/>
-                </a:solidFill>
-                <a:latin typeface="+mn-lt"/>
-                <a:ea typeface="+mn-ea"/>
-                <a:cs typeface="+mn-cs"/>
-              </a:defRPr>
-            </a:lvl7pPr>
-            <a:lvl8pPr marL="3429000" indent="-228600" algn="l" defTabSz="914400" rtl="0" eaLnBrk="1" latinLnBrk="0" hangingPunct="1">
-              <a:lnSpc>
-                <a:spcPct val="90000"/>
-              </a:lnSpc>
-              <a:spcBef>
-                <a:spcPts val="500"/>
-              </a:spcBef>
-              <a:buFont typeface="Arial" panose="020B0604020202020204" pitchFamily="34" charset="0"/>
-              <a:buChar char="•"/>
-              <a:defRPr sz="1800" kern="1200">
-                <a:solidFill>
-                  <a:schemeClr val="tx1"/>
-                </a:solidFill>
-                <a:latin typeface="+mn-lt"/>
-                <a:ea typeface="+mn-ea"/>
-                <a:cs typeface="+mn-cs"/>
-              </a:defRPr>
-            </a:lvl8pPr>
-            <a:lvl9pPr marL="3886200" indent="-228600" algn="l" defTabSz="914400" rtl="0" eaLnBrk="1" latinLnBrk="0" hangingPunct="1">
-              <a:lnSpc>
-                <a:spcPct val="90000"/>
-              </a:lnSpc>
-              <a:spcBef>
-                <a:spcPts val="500"/>
-              </a:spcBef>
-              <a:buFont typeface="Arial" panose="020B0604020202020204" pitchFamily="34" charset="0"/>
-              <a:buChar char="•"/>
-              <a:defRPr sz="1800" kern="1200">
-                <a:solidFill>
-                  <a:schemeClr val="tx1"/>
-                </a:solidFill>
-                <a:latin typeface="+mn-lt"/>
-                <a:ea typeface="+mn-ea"/>
-                <a:cs typeface="+mn-cs"/>
-              </a:defRPr>
-            </a:lvl9pPr>
-          </a:lstStyle>
-          <a:p>
-            <a:pPr marL="0" indent="0">
-              <a:buFontTx/>
-              <a:buNone/>
-            </a:pPr>
-            <a:r>
-              <a:rPr lang="en-US" altLang="en-US" dirty="0" smtClean="0"/>
-              <a:t>3. </a:t>
-            </a:r>
-            <a:r>
-              <a:rPr lang="en-US" altLang="en-US" dirty="0" err="1" smtClean="0"/>
-              <a:t>Kết</a:t>
-            </a:r>
-            <a:r>
-              <a:rPr lang="en-US" altLang="en-US" dirty="0"/>
-              <a:t> </a:t>
-            </a:r>
-            <a:r>
-              <a:rPr lang="en-US" altLang="en-US" dirty="0" err="1" smtClean="0"/>
-              <a:t>quả</a:t>
-            </a:r>
-            <a:r>
-              <a:rPr lang="en-US" altLang="en-US" dirty="0" smtClean="0"/>
-              <a:t> </a:t>
-            </a:r>
-            <a:r>
-              <a:rPr lang="en-US" altLang="en-US" dirty="0" err="1" smtClean="0"/>
-              <a:t>đạt</a:t>
-            </a:r>
-            <a:r>
-              <a:rPr lang="en-US" altLang="en-US" dirty="0" smtClean="0"/>
-              <a:t> </a:t>
-            </a:r>
-            <a:r>
-              <a:rPr lang="en-US" altLang="en-US" dirty="0" err="1" smtClean="0"/>
-              <a:t>được</a:t>
-            </a:r>
-            <a:endParaRPr lang="en-US" altLang="en-US" dirty="0"/>
-          </a:p>
-        </p:txBody>
-      </p:sp>
-      <p:sp>
-        <p:nvSpPr>
-          <p:cNvPr id="6" name="Rectangle 3">
-            <a:extLst>
-              <a:ext uri="{FF2B5EF4-FFF2-40B4-BE49-F238E27FC236}">
-                <a16:creationId xmlns:a16="http://schemas.microsoft.com/office/drawing/2014/main" id="{2EE127BF-401A-4C36-A14A-872ADB44AB18}"/>
-              </a:ext>
-            </a:extLst>
-          </p:cNvPr>
-          <p:cNvSpPr txBox="1">
-            <a:spLocks noChangeArrowheads="1"/>
-          </p:cNvSpPr>
-          <p:nvPr/>
-        </p:nvSpPr>
-        <p:spPr bwMode="auto">
-          <a:xfrm>
-            <a:off x="653144" y="4171495"/>
-            <a:ext cx="8077200" cy="689429"/>
-          </a:xfrm>
-          <a:prstGeom prst="rect">
-            <a:avLst/>
-          </a:prstGeom>
-          <a:noFill/>
-          <a:ln>
-            <a:noFill/>
-          </a:ln>
-          <a:effectLst/>
-          <a:extLst>
-            <a:ext uri="{909E8E84-426E-40DD-AFC4-6F175D3DCCD1}">
-              <a14:hiddenFill xmlns:a14="http://schemas.microsoft.com/office/drawing/2010/main">
-                <a:solidFill>
-                  <a:schemeClr val="accent1"/>
-                </a:solidFill>
-              </a14:hiddenFill>
-            </a:ext>
-            <a:ext uri="{91240B29-F687-4F45-9708-019B960494DF}">
-              <a14:hiddenLine xmlns:a14="http://schemas.microsoft.com/office/drawing/2010/main" w="9525">
-                <a:solidFill>
-                  <a:schemeClr val="tx1"/>
-                </a:solidFill>
-                <a:miter lim="800000"/>
-                <a:headEnd/>
-                <a:tailEnd/>
-              </a14:hiddenLine>
-            </a:ext>
-            <a:ext uri="{AF507438-7753-43E0-B8FC-AC1667EBCBE1}">
-              <a14:hiddenEffects xmlns:a14="http://schemas.microsoft.com/office/drawing/2010/main">
-                <a:effectLst>
-                  <a:outerShdw dist="35921" dir="2700000" algn="ctr" rotWithShape="0">
-                    <a:schemeClr val="bg2"/>
-                  </a:outerShdw>
-                </a:effectLst>
-              </a14:hiddenEffects>
-            </a:ext>
-          </a:extLst>
-        </p:spPr>
-        <p:txBody>
-          <a:bodyPr vert="horz" wrap="square" lIns="91440" tIns="45720" rIns="91440" bIns="45720" numCol="1" anchor="t" anchorCtr="0" compatLnSpc="1">
-            <a:prstTxWarp prst="textNoShape">
-              <a:avLst/>
-            </a:prstTxWarp>
-          </a:bodyPr>
-          <a:lstStyle>
-            <a:lvl1pPr marL="342900" indent="-342900" algn="l" rtl="0" fontAlgn="base">
-              <a:spcBef>
-                <a:spcPct val="20000"/>
-              </a:spcBef>
-              <a:spcAft>
-                <a:spcPct val="0"/>
-              </a:spcAft>
-              <a:buChar char="•"/>
-              <a:defRPr sz="2900" kern="1200">
-                <a:solidFill>
-                  <a:srgbClr val="000066"/>
-                </a:solidFill>
-                <a:latin typeface="+mn-lt"/>
-                <a:ea typeface="+mn-ea"/>
-                <a:cs typeface="+mn-cs"/>
-              </a:defRPr>
-            </a:lvl1pPr>
-            <a:lvl2pPr marL="742950" indent="-285750" algn="l" rtl="0" fontAlgn="base">
-              <a:spcBef>
-                <a:spcPct val="20000"/>
-              </a:spcBef>
-              <a:spcAft>
-                <a:spcPct val="0"/>
-              </a:spcAft>
-              <a:buChar char="–"/>
-              <a:defRPr sz="2600" kern="1200">
-                <a:solidFill>
-                  <a:srgbClr val="000066"/>
-                </a:solidFill>
-                <a:latin typeface="+mn-lt"/>
-                <a:ea typeface="+mn-ea"/>
-                <a:cs typeface="+mn-cs"/>
-              </a:defRPr>
-            </a:lvl2pPr>
-            <a:lvl3pPr marL="1143000" indent="-228600" algn="l" rtl="0" fontAlgn="base">
-              <a:spcBef>
-                <a:spcPct val="20000"/>
-              </a:spcBef>
-              <a:spcAft>
-                <a:spcPct val="0"/>
-              </a:spcAft>
-              <a:buChar char="•"/>
-              <a:defRPr sz="2200" kern="1200">
-                <a:solidFill>
-                  <a:srgbClr val="000066"/>
-                </a:solidFill>
-                <a:latin typeface="+mn-lt"/>
-                <a:ea typeface="+mn-ea"/>
-                <a:cs typeface="+mn-cs"/>
-              </a:defRPr>
-            </a:lvl3pPr>
-            <a:lvl4pPr marL="1600200" indent="-228600" algn="l" rtl="0" fontAlgn="base">
-              <a:spcBef>
-                <a:spcPct val="20000"/>
-              </a:spcBef>
-              <a:spcAft>
-                <a:spcPct val="0"/>
-              </a:spcAft>
-              <a:buChar char="–"/>
-              <a:defRPr kern="1200">
-                <a:solidFill>
-                  <a:srgbClr val="000066"/>
-                </a:solidFill>
-                <a:latin typeface="+mn-lt"/>
-                <a:ea typeface="+mn-ea"/>
-                <a:cs typeface="+mn-cs"/>
-              </a:defRPr>
-            </a:lvl4pPr>
-            <a:lvl5pPr marL="2057400" indent="-228600" algn="l" rtl="0" fontAlgn="base">
-              <a:spcBef>
-                <a:spcPct val="20000"/>
-              </a:spcBef>
-              <a:spcAft>
-                <a:spcPct val="0"/>
-              </a:spcAft>
-              <a:buChar char="»"/>
-              <a:defRPr kern="1200">
-                <a:solidFill>
-                  <a:srgbClr val="000066"/>
-                </a:solidFill>
-                <a:latin typeface="+mn-lt"/>
-                <a:ea typeface="+mn-ea"/>
-                <a:cs typeface="+mn-cs"/>
-              </a:defRPr>
-            </a:lvl5pPr>
-            <a:lvl6pPr marL="2514600" indent="-228600" algn="l" defTabSz="914400" rtl="0" eaLnBrk="1" latinLnBrk="0" hangingPunct="1">
-              <a:lnSpc>
-                <a:spcPct val="90000"/>
-              </a:lnSpc>
-              <a:spcBef>
-                <a:spcPts val="500"/>
-              </a:spcBef>
-              <a:buFont typeface="Arial" panose="020B0604020202020204" pitchFamily="34" charset="0"/>
-              <a:buChar char="•"/>
-              <a:defRPr sz="1800" kern="1200">
-                <a:solidFill>
-                  <a:schemeClr val="tx1"/>
-                </a:solidFill>
-                <a:latin typeface="+mn-lt"/>
-                <a:ea typeface="+mn-ea"/>
-                <a:cs typeface="+mn-cs"/>
-              </a:defRPr>
-            </a:lvl6pPr>
-            <a:lvl7pPr marL="2971800" indent="-228600" algn="l" defTabSz="914400" rtl="0" eaLnBrk="1" latinLnBrk="0" hangingPunct="1">
-              <a:lnSpc>
-                <a:spcPct val="90000"/>
-              </a:lnSpc>
-              <a:spcBef>
-                <a:spcPts val="500"/>
-              </a:spcBef>
-              <a:buFont typeface="Arial" panose="020B0604020202020204" pitchFamily="34" charset="0"/>
-              <a:buChar char="•"/>
-              <a:defRPr sz="1800" kern="1200">
-                <a:solidFill>
-                  <a:schemeClr val="tx1"/>
-                </a:solidFill>
-                <a:latin typeface="+mn-lt"/>
-                <a:ea typeface="+mn-ea"/>
-                <a:cs typeface="+mn-cs"/>
-              </a:defRPr>
-            </a:lvl7pPr>
-            <a:lvl8pPr marL="3429000" indent="-228600" algn="l" defTabSz="914400" rtl="0" eaLnBrk="1" latinLnBrk="0" hangingPunct="1">
-              <a:lnSpc>
-                <a:spcPct val="90000"/>
-              </a:lnSpc>
-              <a:spcBef>
-                <a:spcPts val="500"/>
-              </a:spcBef>
-              <a:buFont typeface="Arial" panose="020B0604020202020204" pitchFamily="34" charset="0"/>
-              <a:buChar char="•"/>
-              <a:defRPr sz="1800" kern="1200">
-                <a:solidFill>
-                  <a:schemeClr val="tx1"/>
-                </a:solidFill>
-                <a:latin typeface="+mn-lt"/>
-                <a:ea typeface="+mn-ea"/>
-                <a:cs typeface="+mn-cs"/>
-              </a:defRPr>
-            </a:lvl8pPr>
-            <a:lvl9pPr marL="3886200" indent="-228600" algn="l" defTabSz="914400" rtl="0" eaLnBrk="1" latinLnBrk="0" hangingPunct="1">
-              <a:lnSpc>
-                <a:spcPct val="90000"/>
-              </a:lnSpc>
-              <a:spcBef>
-                <a:spcPts val="500"/>
-              </a:spcBef>
-              <a:buFont typeface="Arial" panose="020B0604020202020204" pitchFamily="34" charset="0"/>
-              <a:buChar char="•"/>
-              <a:defRPr sz="1800" kern="1200">
-                <a:solidFill>
-                  <a:schemeClr val="tx1"/>
-                </a:solidFill>
-                <a:latin typeface="+mn-lt"/>
-                <a:ea typeface="+mn-ea"/>
-                <a:cs typeface="+mn-cs"/>
-              </a:defRPr>
-            </a:lvl9pPr>
-          </a:lstStyle>
-          <a:p>
-            <a:pPr marL="0" indent="0">
-              <a:buFontTx/>
-              <a:buNone/>
-            </a:pPr>
-            <a:r>
-              <a:rPr lang="en-US" altLang="en-US" dirty="0" smtClean="0"/>
-              <a:t>4. </a:t>
-            </a:r>
-            <a:r>
-              <a:rPr lang="en-US" altLang="en-US" dirty="0" err="1" smtClean="0"/>
-              <a:t>Kết</a:t>
-            </a:r>
-            <a:r>
-              <a:rPr lang="en-US" altLang="en-US" dirty="0" smtClean="0"/>
-              <a:t> </a:t>
-            </a:r>
-            <a:r>
-              <a:rPr lang="en-US" altLang="en-US" dirty="0" err="1" smtClean="0"/>
-              <a:t>luận</a:t>
-            </a:r>
-            <a:r>
-              <a:rPr lang="en-US" altLang="en-US" dirty="0" smtClean="0"/>
-              <a:t> </a:t>
-            </a:r>
-            <a:r>
-              <a:rPr lang="en-US" altLang="en-US" dirty="0" err="1" smtClean="0"/>
-              <a:t>và</a:t>
-            </a:r>
-            <a:r>
-              <a:rPr lang="en-US" altLang="en-US" dirty="0" smtClean="0"/>
-              <a:t> </a:t>
-            </a:r>
-            <a:r>
-              <a:rPr lang="en-US" altLang="en-US" dirty="0" err="1" smtClean="0"/>
-              <a:t>hướng</a:t>
-            </a:r>
-            <a:r>
-              <a:rPr lang="en-US" altLang="en-US" dirty="0" smtClean="0"/>
-              <a:t> </a:t>
-            </a:r>
-            <a:r>
-              <a:rPr lang="en-US" altLang="en-US" dirty="0" err="1" smtClean="0"/>
-              <a:t>phát</a:t>
-            </a:r>
-            <a:r>
-              <a:rPr lang="en-US" altLang="en-US" dirty="0" smtClean="0"/>
-              <a:t> </a:t>
-            </a:r>
-            <a:r>
-              <a:rPr lang="en-US" altLang="en-US" dirty="0" err="1" smtClean="0"/>
-              <a:t>triển</a:t>
-            </a:r>
-            <a:endParaRPr lang="en-US" altLang="en-US" dirty="0"/>
-          </a:p>
-        </p:txBody>
-      </p:sp>
-    </p:spTree>
-  </p:cSld>
-  <p:clrMapOvr>
-    <a:masterClrMapping/>
-  </p:clrMapOvr>
-</p:sld>
-</file>
-
-<file path=ppt/slides/slide20.xml><?xml version="1.0" encoding="utf-8"?>
-<p:sld xmlns:a="http://schemas.openxmlformats.org/drawingml/2006/main" xmlns:r="http://schemas.openxmlformats.org/officeDocument/2006/relationships" xmlns:p="http://schemas.openxmlformats.org/presentationml/2006/main">
-  <p:cSld>
-    <p:spTree>
-      <p:nvGrpSpPr>
-        <p:cNvPr id="1" name=""/>
-        <p:cNvGrpSpPr/>
-        <p:nvPr/>
-      </p:nvGrpSpPr>
-      <p:grpSpPr>
-        <a:xfrm>
-          <a:off x="0" y="0"/>
-          <a:ext cx="0" cy="0"/>
-          <a:chOff x="0" y="0"/>
-          <a:chExt cx="0" cy="0"/>
-        </a:xfrm>
-      </p:grpSpPr>
-      <p:sp>
-        <p:nvSpPr>
-          <p:cNvPr id="25602" name="Rectangle 2">
-            <a:extLst>
-              <a:ext uri="{FF2B5EF4-FFF2-40B4-BE49-F238E27FC236}">
-                <a16:creationId xmlns:a16="http://schemas.microsoft.com/office/drawing/2014/main" id="{D09A8D8C-80F7-440C-BEF1-9EFA4CBAAA33}"/>
-              </a:ext>
-            </a:extLst>
-          </p:cNvPr>
-          <p:cNvSpPr>
-            <a:spLocks noGrp="1" noChangeArrowheads="1"/>
-          </p:cNvSpPr>
-          <p:nvPr>
-            <p:ph type="title"/>
-          </p:nvPr>
-        </p:nvSpPr>
-        <p:spPr/>
-        <p:txBody>
-          <a:bodyPr/>
-          <a:lstStyle/>
-          <a:p>
-            <a:endParaRPr lang="en-US" altLang="en-US" dirty="0"/>
-          </a:p>
-        </p:txBody>
-      </p:sp>
-      <p:sp>
-        <p:nvSpPr>
-          <p:cNvPr id="25603" name="Rectangle 3">
-            <a:extLst>
-              <a:ext uri="{FF2B5EF4-FFF2-40B4-BE49-F238E27FC236}">
-                <a16:creationId xmlns:a16="http://schemas.microsoft.com/office/drawing/2014/main" id="{2EE127BF-401A-4C36-A14A-872ADB44AB18}"/>
-              </a:ext>
-            </a:extLst>
-          </p:cNvPr>
-          <p:cNvSpPr>
-            <a:spLocks noGrp="1" noChangeArrowheads="1"/>
-          </p:cNvSpPr>
-          <p:nvPr>
-            <p:ph type="body" idx="1"/>
-          </p:nvPr>
-        </p:nvSpPr>
-        <p:spPr>
-          <a:xfrm>
-            <a:off x="762000" y="1633538"/>
-            <a:ext cx="8077200" cy="4767262"/>
-          </a:xfrm>
-        </p:spPr>
-        <p:txBody>
-          <a:bodyPr/>
-          <a:lstStyle/>
-          <a:p>
-            <a:endParaRPr lang="en-US" altLang="en-US" dirty="0"/>
-          </a:p>
-        </p:txBody>
-      </p:sp>
-    </p:spTree>
-    <p:extLst>
-      <p:ext uri="{BB962C8B-B14F-4D97-AF65-F5344CB8AC3E}">
-        <p14:creationId xmlns:p14="http://schemas.microsoft.com/office/powerpoint/2010/main" val="3926023146"/>
-      </p:ext>
-    </p:extLst>
-  </p:cSld>
-  <p:clrMapOvr>
-    <a:masterClrMapping/>
-  </p:clrMapOvr>
-</p:sld>
-</file>
-
-<file path=ppt/slides/slide21.xml><?xml version="1.0" encoding="utf-8"?>
-<p:sld xmlns:a="http://schemas.openxmlformats.org/drawingml/2006/main" xmlns:r="http://schemas.openxmlformats.org/officeDocument/2006/relationships" xmlns:p="http://schemas.openxmlformats.org/presentationml/2006/main">
-  <p:cSld>
-    <p:spTree>
-      <p:nvGrpSpPr>
-        <p:cNvPr id="1" name=""/>
-        <p:cNvGrpSpPr/>
-        <p:nvPr/>
-      </p:nvGrpSpPr>
-      <p:grpSpPr>
-        <a:xfrm>
-          <a:off x="0" y="0"/>
-          <a:ext cx="0" cy="0"/>
-          <a:chOff x="0" y="0"/>
-          <a:chExt cx="0" cy="0"/>
-        </a:xfrm>
-      </p:grpSpPr>
-      <p:sp>
-        <p:nvSpPr>
-          <p:cNvPr id="25602" name="Rectangle 2">
-            <a:extLst>
-              <a:ext uri="{FF2B5EF4-FFF2-40B4-BE49-F238E27FC236}">
-                <a16:creationId xmlns:a16="http://schemas.microsoft.com/office/drawing/2014/main" id="{D09A8D8C-80F7-440C-BEF1-9EFA4CBAAA33}"/>
-              </a:ext>
-            </a:extLst>
-          </p:cNvPr>
-          <p:cNvSpPr>
-            <a:spLocks noGrp="1" noChangeArrowheads="1"/>
-          </p:cNvSpPr>
-          <p:nvPr>
-            <p:ph type="title"/>
-          </p:nvPr>
-        </p:nvSpPr>
-        <p:spPr/>
-        <p:txBody>
-          <a:bodyPr/>
-          <a:lstStyle/>
-          <a:p>
-            <a:endParaRPr lang="en-US" altLang="en-US" dirty="0"/>
-          </a:p>
-        </p:txBody>
-      </p:sp>
-      <p:sp>
-        <p:nvSpPr>
-          <p:cNvPr id="25603" name="Rectangle 3">
-            <a:extLst>
-              <a:ext uri="{FF2B5EF4-FFF2-40B4-BE49-F238E27FC236}">
-                <a16:creationId xmlns:a16="http://schemas.microsoft.com/office/drawing/2014/main" id="{2EE127BF-401A-4C36-A14A-872ADB44AB18}"/>
-              </a:ext>
-            </a:extLst>
-          </p:cNvPr>
-          <p:cNvSpPr>
-            <a:spLocks noGrp="1" noChangeArrowheads="1"/>
-          </p:cNvSpPr>
-          <p:nvPr>
-            <p:ph type="body" idx="1"/>
-          </p:nvPr>
-        </p:nvSpPr>
-        <p:spPr>
-          <a:xfrm>
-            <a:off x="762000" y="1633538"/>
-            <a:ext cx="8077200" cy="4767262"/>
-          </a:xfrm>
-        </p:spPr>
-        <p:txBody>
-          <a:bodyPr/>
-          <a:lstStyle/>
-          <a:p>
-            <a:endParaRPr lang="en-US" altLang="en-US" dirty="0"/>
-          </a:p>
-        </p:txBody>
-      </p:sp>
-    </p:spTree>
-    <p:extLst>
-      <p:ext uri="{BB962C8B-B14F-4D97-AF65-F5344CB8AC3E}">
-        <p14:creationId xmlns:p14="http://schemas.microsoft.com/office/powerpoint/2010/main" val="3641117416"/>
-      </p:ext>
-    </p:extLst>
-  </p:cSld>
-  <p:clrMapOvr>
-    <a:masterClrMapping/>
-  </p:clrMapOvr>
-</p:sld>
-</file>
-
-<file path=ppt/slides/slide22.xml><?xml version="1.0" encoding="utf-8"?>
-<p:sld xmlns:a="http://schemas.openxmlformats.org/drawingml/2006/main" xmlns:r="http://schemas.openxmlformats.org/officeDocument/2006/relationships" xmlns:p="http://schemas.openxmlformats.org/presentationml/2006/main">
-  <p:cSld>
-    <p:spTree>
-      <p:nvGrpSpPr>
-        <p:cNvPr id="1" name=""/>
-        <p:cNvGrpSpPr/>
-        <p:nvPr/>
-      </p:nvGrpSpPr>
-      <p:grpSpPr>
-        <a:xfrm>
-          <a:off x="0" y="0"/>
-          <a:ext cx="0" cy="0"/>
-          <a:chOff x="0" y="0"/>
-          <a:chExt cx="0" cy="0"/>
-        </a:xfrm>
-      </p:grpSpPr>
-      <p:sp>
-        <p:nvSpPr>
-          <p:cNvPr id="25602" name="Rectangle 2">
-            <a:extLst>
-              <a:ext uri="{FF2B5EF4-FFF2-40B4-BE49-F238E27FC236}">
-                <a16:creationId xmlns:a16="http://schemas.microsoft.com/office/drawing/2014/main" id="{D09A8D8C-80F7-440C-BEF1-9EFA4CBAAA33}"/>
-              </a:ext>
-            </a:extLst>
-          </p:cNvPr>
-          <p:cNvSpPr>
-            <a:spLocks noGrp="1" noChangeArrowheads="1"/>
-          </p:cNvSpPr>
-          <p:nvPr>
-            <p:ph type="title"/>
-          </p:nvPr>
-        </p:nvSpPr>
-        <p:spPr/>
-        <p:txBody>
-          <a:bodyPr/>
-          <a:lstStyle/>
-          <a:p>
-            <a:endParaRPr lang="en-US" altLang="en-US" dirty="0"/>
-          </a:p>
-        </p:txBody>
-      </p:sp>
-      <p:sp>
-        <p:nvSpPr>
-          <p:cNvPr id="25603" name="Rectangle 3">
-            <a:extLst>
-              <a:ext uri="{FF2B5EF4-FFF2-40B4-BE49-F238E27FC236}">
-                <a16:creationId xmlns:a16="http://schemas.microsoft.com/office/drawing/2014/main" id="{2EE127BF-401A-4C36-A14A-872ADB44AB18}"/>
-              </a:ext>
-            </a:extLst>
-          </p:cNvPr>
-          <p:cNvSpPr>
-            <a:spLocks noGrp="1" noChangeArrowheads="1"/>
-          </p:cNvSpPr>
-          <p:nvPr>
-            <p:ph type="body" idx="1"/>
-          </p:nvPr>
-        </p:nvSpPr>
-        <p:spPr>
-          <a:xfrm>
-            <a:off x="762000" y="1633538"/>
-            <a:ext cx="8077200" cy="4767262"/>
-          </a:xfrm>
-        </p:spPr>
-        <p:txBody>
-          <a:bodyPr/>
-          <a:lstStyle/>
-          <a:p>
-            <a:endParaRPr lang="en-US" altLang="en-US" dirty="0"/>
-          </a:p>
-        </p:txBody>
-      </p:sp>
-    </p:spTree>
-    <p:extLst>
-      <p:ext uri="{BB962C8B-B14F-4D97-AF65-F5344CB8AC3E}">
-        <p14:creationId xmlns:p14="http://schemas.microsoft.com/office/powerpoint/2010/main" val="2909833206"/>
-      </p:ext>
-    </p:extLst>
-  </p:cSld>
-  <p:clrMapOvr>
-    <a:masterClrMapping/>
-  </p:clrMapOvr>
-</p:sld>
-</file>
-
-<file path=ppt/slides/slide23.xml><?xml version="1.0" encoding="utf-8"?>
-<p:sld xmlns:a="http://schemas.openxmlformats.org/drawingml/2006/main" xmlns:r="http://schemas.openxmlformats.org/officeDocument/2006/relationships" xmlns:p="http://schemas.openxmlformats.org/presentationml/2006/main">
-  <p:cSld>
-    <p:spTree>
-      <p:nvGrpSpPr>
-        <p:cNvPr id="1" name=""/>
-        <p:cNvGrpSpPr/>
-        <p:nvPr/>
-      </p:nvGrpSpPr>
-      <p:grpSpPr>
-        <a:xfrm>
-          <a:off x="0" y="0"/>
-          <a:ext cx="0" cy="0"/>
-          <a:chOff x="0" y="0"/>
-          <a:chExt cx="0" cy="0"/>
-        </a:xfrm>
-      </p:grpSpPr>
-      <p:sp>
-        <p:nvSpPr>
-          <p:cNvPr id="25602" name="Rectangle 2">
-            <a:extLst>
-              <a:ext uri="{FF2B5EF4-FFF2-40B4-BE49-F238E27FC236}">
-                <a16:creationId xmlns:a16="http://schemas.microsoft.com/office/drawing/2014/main" id="{D09A8D8C-80F7-440C-BEF1-9EFA4CBAAA33}"/>
-              </a:ext>
-            </a:extLst>
-          </p:cNvPr>
-          <p:cNvSpPr>
-            <a:spLocks noGrp="1" noChangeArrowheads="1"/>
-          </p:cNvSpPr>
-          <p:nvPr>
-            <p:ph type="title"/>
-          </p:nvPr>
-        </p:nvSpPr>
-        <p:spPr/>
-        <p:txBody>
-          <a:bodyPr/>
-          <a:lstStyle/>
-          <a:p>
-            <a:endParaRPr lang="en-US" altLang="en-US" dirty="0"/>
-          </a:p>
-        </p:txBody>
-      </p:sp>
-      <p:sp>
-        <p:nvSpPr>
-          <p:cNvPr id="25603" name="Rectangle 3">
-            <a:extLst>
-              <a:ext uri="{FF2B5EF4-FFF2-40B4-BE49-F238E27FC236}">
-                <a16:creationId xmlns:a16="http://schemas.microsoft.com/office/drawing/2014/main" id="{2EE127BF-401A-4C36-A14A-872ADB44AB18}"/>
-              </a:ext>
-            </a:extLst>
-          </p:cNvPr>
-          <p:cNvSpPr>
-            <a:spLocks noGrp="1" noChangeArrowheads="1"/>
-          </p:cNvSpPr>
-          <p:nvPr>
-            <p:ph type="body" idx="1"/>
-          </p:nvPr>
-        </p:nvSpPr>
-        <p:spPr>
-          <a:xfrm>
-            <a:off x="762000" y="1633538"/>
-            <a:ext cx="8077200" cy="4767262"/>
-          </a:xfrm>
-        </p:spPr>
-        <p:txBody>
-          <a:bodyPr/>
-          <a:lstStyle/>
-          <a:p>
-            <a:endParaRPr lang="en-US" altLang="en-US" dirty="0"/>
-          </a:p>
-        </p:txBody>
-      </p:sp>
-    </p:spTree>
-    <p:extLst>
-      <p:ext uri="{BB962C8B-B14F-4D97-AF65-F5344CB8AC3E}">
-        <p14:creationId xmlns:p14="http://schemas.microsoft.com/office/powerpoint/2010/main" val="2151576563"/>
-      </p:ext>
-    </p:extLst>
-  </p:cSld>
-  <p:clrMapOvr>
-    <a:masterClrMapping/>
-  </p:clrMapOvr>
-</p:sld>
-</file>
-
-<file path=ppt/slides/slide24.xml><?xml version="1.0" encoding="utf-8"?>
-<p:sld xmlns:a="http://schemas.openxmlformats.org/drawingml/2006/main" xmlns:r="http://schemas.openxmlformats.org/officeDocument/2006/relationships" xmlns:p="http://schemas.openxmlformats.org/presentationml/2006/main">
-  <p:cSld>
-    <p:spTree>
-      <p:nvGrpSpPr>
-        <p:cNvPr id="1" name=""/>
-        <p:cNvGrpSpPr/>
-        <p:nvPr/>
-      </p:nvGrpSpPr>
-      <p:grpSpPr>
-        <a:xfrm>
-          <a:off x="0" y="0"/>
-          <a:ext cx="0" cy="0"/>
-          <a:chOff x="0" y="0"/>
-          <a:chExt cx="0" cy="0"/>
-        </a:xfrm>
-      </p:grpSpPr>
-      <p:sp>
-        <p:nvSpPr>
-          <p:cNvPr id="25602" name="Rectangle 2">
-            <a:extLst>
-              <a:ext uri="{FF2B5EF4-FFF2-40B4-BE49-F238E27FC236}">
-                <a16:creationId xmlns:a16="http://schemas.microsoft.com/office/drawing/2014/main" id="{D09A8D8C-80F7-440C-BEF1-9EFA4CBAAA33}"/>
-              </a:ext>
-            </a:extLst>
-          </p:cNvPr>
-          <p:cNvSpPr>
-            <a:spLocks noGrp="1" noChangeArrowheads="1"/>
-          </p:cNvSpPr>
-          <p:nvPr>
-            <p:ph type="title"/>
-          </p:nvPr>
-        </p:nvSpPr>
-        <p:spPr/>
-        <p:txBody>
-          <a:bodyPr/>
-          <a:lstStyle/>
-          <a:p>
-            <a:endParaRPr lang="en-US" altLang="en-US" dirty="0"/>
-          </a:p>
-        </p:txBody>
-      </p:sp>
-      <p:sp>
-        <p:nvSpPr>
-          <p:cNvPr id="25603" name="Rectangle 3">
-            <a:extLst>
-              <a:ext uri="{FF2B5EF4-FFF2-40B4-BE49-F238E27FC236}">
-                <a16:creationId xmlns:a16="http://schemas.microsoft.com/office/drawing/2014/main" id="{2EE127BF-401A-4C36-A14A-872ADB44AB18}"/>
-              </a:ext>
-            </a:extLst>
-          </p:cNvPr>
-          <p:cNvSpPr>
-            <a:spLocks noGrp="1" noChangeArrowheads="1"/>
-          </p:cNvSpPr>
-          <p:nvPr>
-            <p:ph type="body" idx="1"/>
-          </p:nvPr>
-        </p:nvSpPr>
-        <p:spPr>
-          <a:xfrm>
-            <a:off x="762000" y="1633538"/>
-            <a:ext cx="8077200" cy="4767262"/>
-          </a:xfrm>
-        </p:spPr>
-        <p:txBody>
-          <a:bodyPr/>
-          <a:lstStyle/>
-          <a:p>
-            <a:endParaRPr lang="en-US" altLang="en-US" dirty="0"/>
-          </a:p>
-        </p:txBody>
-      </p:sp>
-    </p:spTree>
-    <p:extLst>
-      <p:ext uri="{BB962C8B-B14F-4D97-AF65-F5344CB8AC3E}">
-        <p14:creationId xmlns:p14="http://schemas.microsoft.com/office/powerpoint/2010/main" val="2052434940"/>
-      </p:ext>
-    </p:extLst>
-  </p:cSld>
-  <p:clrMapOvr>
-    <a:masterClrMapping/>
-  </p:clrMapOvr>
-</p:sld>
-</file>
-
-<file path=ppt/slides/slide25.xml><?xml version="1.0" encoding="utf-8"?>
 <p:sld xmlns:a="http://schemas.openxmlformats.org/drawingml/2006/main" xmlns:r="http://schemas.openxmlformats.org/officeDocument/2006/relationships" xmlns:p="http://schemas.openxmlformats.org/presentationml/2006/main" showMasterSp="0">
   <p:cSld>
     <p:bg>
@@ -7281,6 +6013,1053 @@
   <p:clrMapOvr>
     <a:masterClrMapping/>
   </p:clrMapOvr>
+</p:sld>
+</file>
+
+<file path=ppt/slides/slide2.xml><?xml version="1.0" encoding="utf-8"?>
+<p:sld xmlns:a="http://schemas.openxmlformats.org/drawingml/2006/main" xmlns:r="http://schemas.openxmlformats.org/officeDocument/2006/relationships" xmlns:p="http://schemas.openxmlformats.org/presentationml/2006/main">
+  <p:cSld>
+    <p:spTree>
+      <p:nvGrpSpPr>
+        <p:cNvPr id="1" name=""/>
+        <p:cNvGrpSpPr/>
+        <p:nvPr/>
+      </p:nvGrpSpPr>
+      <p:grpSpPr>
+        <a:xfrm>
+          <a:off x="0" y="0"/>
+          <a:ext cx="0" cy="0"/>
+          <a:chOff x="0" y="0"/>
+          <a:chExt cx="0" cy="0"/>
+        </a:xfrm>
+      </p:grpSpPr>
+      <p:sp>
+        <p:nvSpPr>
+          <p:cNvPr id="25602" name="Rectangle 2">
+            <a:extLst>
+              <a:ext uri="{FF2B5EF4-FFF2-40B4-BE49-F238E27FC236}">
+                <a16:creationId xmlns:a16="http://schemas.microsoft.com/office/drawing/2014/main" id="{D09A8D8C-80F7-440C-BEF1-9EFA4CBAAA33}"/>
+              </a:ext>
+            </a:extLst>
+          </p:cNvPr>
+          <p:cNvSpPr>
+            <a:spLocks noGrp="1" noChangeArrowheads="1"/>
+          </p:cNvSpPr>
+          <p:nvPr>
+            <p:ph type="title"/>
+          </p:nvPr>
+        </p:nvSpPr>
+        <p:spPr/>
+        <p:txBody>
+          <a:bodyPr/>
+          <a:lstStyle/>
+          <a:p>
+            <a:r>
+              <a:rPr lang="en-US" altLang="en-US" dirty="0" smtClean="0">
+                <a:latin typeface="Times New Roman" panose="02020603050405020304" pitchFamily="18" charset="0"/>
+                <a:cs typeface="Times New Roman" panose="02020603050405020304" pitchFamily="18" charset="0"/>
+              </a:rPr>
+              <a:t>NỘI DUNG TRÌNH BÀY</a:t>
+            </a:r>
+            <a:endParaRPr lang="en-US" altLang="en-US" dirty="0">
+              <a:latin typeface="Times New Roman" panose="02020603050405020304" pitchFamily="18" charset="0"/>
+              <a:cs typeface="Times New Roman" panose="02020603050405020304" pitchFamily="18" charset="0"/>
+            </a:endParaRPr>
+          </a:p>
+        </p:txBody>
+      </p:sp>
+      <p:sp>
+        <p:nvSpPr>
+          <p:cNvPr id="25603" name="Rectangle 3">
+            <a:extLst>
+              <a:ext uri="{FF2B5EF4-FFF2-40B4-BE49-F238E27FC236}">
+                <a16:creationId xmlns:a16="http://schemas.microsoft.com/office/drawing/2014/main" id="{2EE127BF-401A-4C36-A14A-872ADB44AB18}"/>
+              </a:ext>
+            </a:extLst>
+          </p:cNvPr>
+          <p:cNvSpPr>
+            <a:spLocks noGrp="1" noChangeArrowheads="1"/>
+          </p:cNvSpPr>
+          <p:nvPr>
+            <p:ph type="body" idx="1"/>
+          </p:nvPr>
+        </p:nvSpPr>
+        <p:spPr>
+          <a:xfrm>
+            <a:off x="632691" y="1935161"/>
+            <a:ext cx="8077200" cy="685800"/>
+          </a:xfrm>
+        </p:spPr>
+        <p:txBody>
+          <a:bodyPr/>
+          <a:lstStyle/>
+          <a:p>
+            <a:pPr marL="0" indent="0">
+              <a:buNone/>
+            </a:pPr>
+            <a:r>
+              <a:rPr lang="en-US" altLang="en-US" dirty="0" smtClean="0">
+                <a:latin typeface="Times New Roman" panose="02020603050405020304" pitchFamily="18" charset="0"/>
+                <a:cs typeface="Times New Roman" panose="02020603050405020304" pitchFamily="18" charset="0"/>
+              </a:rPr>
+              <a:t>1. </a:t>
+            </a:r>
+            <a:r>
+              <a:rPr lang="en-US" altLang="en-US" dirty="0" err="1" smtClean="0">
+                <a:latin typeface="Times New Roman" panose="02020603050405020304" pitchFamily="18" charset="0"/>
+                <a:cs typeface="Times New Roman" panose="02020603050405020304" pitchFamily="18" charset="0"/>
+              </a:rPr>
+              <a:t>Tổng</a:t>
+            </a:r>
+            <a:r>
+              <a:rPr lang="en-US" altLang="en-US" dirty="0" smtClean="0">
+                <a:latin typeface="Times New Roman" panose="02020603050405020304" pitchFamily="18" charset="0"/>
+                <a:cs typeface="Times New Roman" panose="02020603050405020304" pitchFamily="18" charset="0"/>
+              </a:rPr>
+              <a:t> </a:t>
+            </a:r>
+            <a:r>
+              <a:rPr lang="en-US" altLang="en-US" dirty="0" err="1" smtClean="0">
+                <a:latin typeface="Times New Roman" panose="02020603050405020304" pitchFamily="18" charset="0"/>
+                <a:cs typeface="Times New Roman" panose="02020603050405020304" pitchFamily="18" charset="0"/>
+              </a:rPr>
+              <a:t>quan</a:t>
+            </a:r>
+            <a:endParaRPr lang="en-US" altLang="en-US" dirty="0">
+              <a:latin typeface="Times New Roman" panose="02020603050405020304" pitchFamily="18" charset="0"/>
+              <a:cs typeface="Times New Roman" panose="02020603050405020304" pitchFamily="18" charset="0"/>
+            </a:endParaRPr>
+          </a:p>
+        </p:txBody>
+      </p:sp>
+      <p:sp>
+        <p:nvSpPr>
+          <p:cNvPr id="4" name="Rectangle 3">
+            <a:extLst>
+              <a:ext uri="{FF2B5EF4-FFF2-40B4-BE49-F238E27FC236}">
+                <a16:creationId xmlns:a16="http://schemas.microsoft.com/office/drawing/2014/main" id="{2EE127BF-401A-4C36-A14A-872ADB44AB18}"/>
+              </a:ext>
+            </a:extLst>
+          </p:cNvPr>
+          <p:cNvSpPr txBox="1">
+            <a:spLocks noChangeArrowheads="1"/>
+          </p:cNvSpPr>
+          <p:nvPr/>
+        </p:nvSpPr>
+        <p:spPr bwMode="auto">
+          <a:xfrm>
+            <a:off x="635001" y="2684461"/>
+            <a:ext cx="8077200" cy="674233"/>
+          </a:xfrm>
+          <a:prstGeom prst="rect">
+            <a:avLst/>
+          </a:prstGeom>
+          <a:noFill/>
+          <a:ln>
+            <a:noFill/>
+          </a:ln>
+          <a:effectLst/>
+          <a:extLst>
+            <a:ext uri="{909E8E84-426E-40DD-AFC4-6F175D3DCCD1}">
+              <a14:hiddenFill xmlns:a14="http://schemas.microsoft.com/office/drawing/2010/main">
+                <a:solidFill>
+                  <a:schemeClr val="accent1"/>
+                </a:solidFill>
+              </a14:hiddenFill>
+            </a:ext>
+            <a:ext uri="{91240B29-F687-4F45-9708-019B960494DF}">
+              <a14:hiddenLine xmlns:a14="http://schemas.microsoft.com/office/drawing/2010/main" w="9525">
+                <a:solidFill>
+                  <a:schemeClr val="tx1"/>
+                </a:solidFill>
+                <a:miter lim="800000"/>
+                <a:headEnd/>
+                <a:tailEnd/>
+              </a14:hiddenLine>
+            </a:ext>
+            <a:ext uri="{AF507438-7753-43E0-B8FC-AC1667EBCBE1}">
+              <a14:hiddenEffects xmlns:a14="http://schemas.microsoft.com/office/drawing/2010/main">
+                <a:effectLst>
+                  <a:outerShdw dist="35921" dir="2700000" algn="ctr" rotWithShape="0">
+                    <a:schemeClr val="bg2"/>
+                  </a:outerShdw>
+                </a:effectLst>
+              </a14:hiddenEffects>
+            </a:ext>
+          </a:extLst>
+        </p:spPr>
+        <p:txBody>
+          <a:bodyPr vert="horz" wrap="square" lIns="91440" tIns="45720" rIns="91440" bIns="45720" numCol="1" anchor="t" anchorCtr="0" compatLnSpc="1">
+            <a:prstTxWarp prst="textNoShape">
+              <a:avLst/>
+            </a:prstTxWarp>
+          </a:bodyPr>
+          <a:lstStyle>
+            <a:lvl1pPr marL="342900" indent="-342900" algn="l" rtl="0" fontAlgn="base">
+              <a:spcBef>
+                <a:spcPct val="20000"/>
+              </a:spcBef>
+              <a:spcAft>
+                <a:spcPct val="0"/>
+              </a:spcAft>
+              <a:buChar char="•"/>
+              <a:defRPr sz="2900" kern="1200">
+                <a:solidFill>
+                  <a:srgbClr val="000066"/>
+                </a:solidFill>
+                <a:latin typeface="+mn-lt"/>
+                <a:ea typeface="+mn-ea"/>
+                <a:cs typeface="+mn-cs"/>
+              </a:defRPr>
+            </a:lvl1pPr>
+            <a:lvl2pPr marL="742950" indent="-285750" algn="l" rtl="0" fontAlgn="base">
+              <a:spcBef>
+                <a:spcPct val="20000"/>
+              </a:spcBef>
+              <a:spcAft>
+                <a:spcPct val="0"/>
+              </a:spcAft>
+              <a:buChar char="–"/>
+              <a:defRPr sz="2600" kern="1200">
+                <a:solidFill>
+                  <a:srgbClr val="000066"/>
+                </a:solidFill>
+                <a:latin typeface="+mn-lt"/>
+                <a:ea typeface="+mn-ea"/>
+                <a:cs typeface="+mn-cs"/>
+              </a:defRPr>
+            </a:lvl2pPr>
+            <a:lvl3pPr marL="1143000" indent="-228600" algn="l" rtl="0" fontAlgn="base">
+              <a:spcBef>
+                <a:spcPct val="20000"/>
+              </a:spcBef>
+              <a:spcAft>
+                <a:spcPct val="0"/>
+              </a:spcAft>
+              <a:buChar char="•"/>
+              <a:defRPr sz="2200" kern="1200">
+                <a:solidFill>
+                  <a:srgbClr val="000066"/>
+                </a:solidFill>
+                <a:latin typeface="+mn-lt"/>
+                <a:ea typeface="+mn-ea"/>
+                <a:cs typeface="+mn-cs"/>
+              </a:defRPr>
+            </a:lvl3pPr>
+            <a:lvl4pPr marL="1600200" indent="-228600" algn="l" rtl="0" fontAlgn="base">
+              <a:spcBef>
+                <a:spcPct val="20000"/>
+              </a:spcBef>
+              <a:spcAft>
+                <a:spcPct val="0"/>
+              </a:spcAft>
+              <a:buChar char="–"/>
+              <a:defRPr kern="1200">
+                <a:solidFill>
+                  <a:srgbClr val="000066"/>
+                </a:solidFill>
+                <a:latin typeface="+mn-lt"/>
+                <a:ea typeface="+mn-ea"/>
+                <a:cs typeface="+mn-cs"/>
+              </a:defRPr>
+            </a:lvl4pPr>
+            <a:lvl5pPr marL="2057400" indent="-228600" algn="l" rtl="0" fontAlgn="base">
+              <a:spcBef>
+                <a:spcPct val="20000"/>
+              </a:spcBef>
+              <a:spcAft>
+                <a:spcPct val="0"/>
+              </a:spcAft>
+              <a:buChar char="»"/>
+              <a:defRPr kern="1200">
+                <a:solidFill>
+                  <a:srgbClr val="000066"/>
+                </a:solidFill>
+                <a:latin typeface="+mn-lt"/>
+                <a:ea typeface="+mn-ea"/>
+                <a:cs typeface="+mn-cs"/>
+              </a:defRPr>
+            </a:lvl5pPr>
+            <a:lvl6pPr marL="2514600" indent="-228600" algn="l" defTabSz="914400" rtl="0" eaLnBrk="1" latinLnBrk="0" hangingPunct="1">
+              <a:lnSpc>
+                <a:spcPct val="90000"/>
+              </a:lnSpc>
+              <a:spcBef>
+                <a:spcPts val="500"/>
+              </a:spcBef>
+              <a:buFont typeface="Arial" panose="020B0604020202020204" pitchFamily="34" charset="0"/>
+              <a:buChar char="•"/>
+              <a:defRPr sz="1800" kern="1200">
+                <a:solidFill>
+                  <a:schemeClr val="tx1"/>
+                </a:solidFill>
+                <a:latin typeface="+mn-lt"/>
+                <a:ea typeface="+mn-ea"/>
+                <a:cs typeface="+mn-cs"/>
+              </a:defRPr>
+            </a:lvl6pPr>
+            <a:lvl7pPr marL="2971800" indent="-228600" algn="l" defTabSz="914400" rtl="0" eaLnBrk="1" latinLnBrk="0" hangingPunct="1">
+              <a:lnSpc>
+                <a:spcPct val="90000"/>
+              </a:lnSpc>
+              <a:spcBef>
+                <a:spcPts val="500"/>
+              </a:spcBef>
+              <a:buFont typeface="Arial" panose="020B0604020202020204" pitchFamily="34" charset="0"/>
+              <a:buChar char="•"/>
+              <a:defRPr sz="1800" kern="1200">
+                <a:solidFill>
+                  <a:schemeClr val="tx1"/>
+                </a:solidFill>
+                <a:latin typeface="+mn-lt"/>
+                <a:ea typeface="+mn-ea"/>
+                <a:cs typeface="+mn-cs"/>
+              </a:defRPr>
+            </a:lvl7pPr>
+            <a:lvl8pPr marL="3429000" indent="-228600" algn="l" defTabSz="914400" rtl="0" eaLnBrk="1" latinLnBrk="0" hangingPunct="1">
+              <a:lnSpc>
+                <a:spcPct val="90000"/>
+              </a:lnSpc>
+              <a:spcBef>
+                <a:spcPts val="500"/>
+              </a:spcBef>
+              <a:buFont typeface="Arial" panose="020B0604020202020204" pitchFamily="34" charset="0"/>
+              <a:buChar char="•"/>
+              <a:defRPr sz="1800" kern="1200">
+                <a:solidFill>
+                  <a:schemeClr val="tx1"/>
+                </a:solidFill>
+                <a:latin typeface="+mn-lt"/>
+                <a:ea typeface="+mn-ea"/>
+                <a:cs typeface="+mn-cs"/>
+              </a:defRPr>
+            </a:lvl8pPr>
+            <a:lvl9pPr marL="3886200" indent="-228600" algn="l" defTabSz="914400" rtl="0" eaLnBrk="1" latinLnBrk="0" hangingPunct="1">
+              <a:lnSpc>
+                <a:spcPct val="90000"/>
+              </a:lnSpc>
+              <a:spcBef>
+                <a:spcPts val="500"/>
+              </a:spcBef>
+              <a:buFont typeface="Arial" panose="020B0604020202020204" pitchFamily="34" charset="0"/>
+              <a:buChar char="•"/>
+              <a:defRPr sz="1800" kern="1200">
+                <a:solidFill>
+                  <a:schemeClr val="tx1"/>
+                </a:solidFill>
+                <a:latin typeface="+mn-lt"/>
+                <a:ea typeface="+mn-ea"/>
+                <a:cs typeface="+mn-cs"/>
+              </a:defRPr>
+            </a:lvl9pPr>
+          </a:lstStyle>
+          <a:p>
+            <a:pPr marL="0" indent="0">
+              <a:buFontTx/>
+              <a:buNone/>
+            </a:pPr>
+            <a:r>
+              <a:rPr lang="en-US" altLang="en-US" dirty="0">
+                <a:latin typeface="Times New Roman" panose="02020603050405020304" pitchFamily="18" charset="0"/>
+                <a:cs typeface="Times New Roman" panose="02020603050405020304" pitchFamily="18" charset="0"/>
+              </a:rPr>
+              <a:t>2</a:t>
+            </a:r>
+            <a:r>
+              <a:rPr lang="en-US" altLang="en-US" dirty="0" smtClean="0">
+                <a:latin typeface="Times New Roman" panose="02020603050405020304" pitchFamily="18" charset="0"/>
+                <a:cs typeface="Times New Roman" panose="02020603050405020304" pitchFamily="18" charset="0"/>
+              </a:rPr>
+              <a:t>. </a:t>
+            </a:r>
+            <a:r>
+              <a:rPr lang="en-US" altLang="en-US" dirty="0" err="1" smtClean="0">
+                <a:latin typeface="Times New Roman" panose="02020603050405020304" pitchFamily="18" charset="0"/>
+                <a:cs typeface="Times New Roman" panose="02020603050405020304" pitchFamily="18" charset="0"/>
+              </a:rPr>
+              <a:t>Giải</a:t>
+            </a:r>
+            <a:r>
+              <a:rPr lang="en-US" altLang="en-US" dirty="0" smtClean="0">
+                <a:latin typeface="Times New Roman" panose="02020603050405020304" pitchFamily="18" charset="0"/>
+                <a:cs typeface="Times New Roman" panose="02020603050405020304" pitchFamily="18" charset="0"/>
+              </a:rPr>
+              <a:t> </a:t>
+            </a:r>
+            <a:r>
+              <a:rPr lang="en-US" altLang="en-US" dirty="0" err="1" smtClean="0">
+                <a:latin typeface="Times New Roman" panose="02020603050405020304" pitchFamily="18" charset="0"/>
+                <a:cs typeface="Times New Roman" panose="02020603050405020304" pitchFamily="18" charset="0"/>
+              </a:rPr>
+              <a:t>pháp</a:t>
+            </a:r>
+            <a:r>
+              <a:rPr lang="en-US" altLang="en-US" dirty="0" smtClean="0">
+                <a:latin typeface="Times New Roman" panose="02020603050405020304" pitchFamily="18" charset="0"/>
+                <a:cs typeface="Times New Roman" panose="02020603050405020304" pitchFamily="18" charset="0"/>
+              </a:rPr>
+              <a:t> </a:t>
+            </a:r>
+            <a:r>
+              <a:rPr lang="en-US" altLang="en-US" dirty="0" err="1" smtClean="0">
+                <a:latin typeface="Times New Roman" panose="02020603050405020304" pitchFamily="18" charset="0"/>
+                <a:cs typeface="Times New Roman" panose="02020603050405020304" pitchFamily="18" charset="0"/>
+              </a:rPr>
+              <a:t>cho</a:t>
+            </a:r>
+            <a:r>
+              <a:rPr lang="en-US" altLang="en-US" dirty="0" smtClean="0">
+                <a:latin typeface="Times New Roman" panose="02020603050405020304" pitchFamily="18" charset="0"/>
+                <a:cs typeface="Times New Roman" panose="02020603050405020304" pitchFamily="18" charset="0"/>
+              </a:rPr>
+              <a:t> </a:t>
+            </a:r>
+            <a:r>
+              <a:rPr lang="en-US" altLang="en-US" dirty="0" err="1" smtClean="0">
+                <a:latin typeface="Times New Roman" panose="02020603050405020304" pitchFamily="18" charset="0"/>
+                <a:cs typeface="Times New Roman" panose="02020603050405020304" pitchFamily="18" charset="0"/>
+              </a:rPr>
+              <a:t>vấn</a:t>
+            </a:r>
+            <a:r>
+              <a:rPr lang="en-US" altLang="en-US" dirty="0" smtClean="0">
+                <a:latin typeface="Times New Roman" panose="02020603050405020304" pitchFamily="18" charset="0"/>
+                <a:cs typeface="Times New Roman" panose="02020603050405020304" pitchFamily="18" charset="0"/>
+              </a:rPr>
+              <a:t> </a:t>
+            </a:r>
+            <a:r>
+              <a:rPr lang="en-US" altLang="en-US" dirty="0" err="1" smtClean="0">
+                <a:latin typeface="Times New Roman" panose="02020603050405020304" pitchFamily="18" charset="0"/>
+                <a:cs typeface="Times New Roman" panose="02020603050405020304" pitchFamily="18" charset="0"/>
+              </a:rPr>
+              <a:t>đề</a:t>
+            </a:r>
+            <a:endParaRPr lang="en-US" altLang="en-US" dirty="0">
+              <a:latin typeface="Times New Roman" panose="02020603050405020304" pitchFamily="18" charset="0"/>
+              <a:cs typeface="Times New Roman" panose="02020603050405020304" pitchFamily="18" charset="0"/>
+            </a:endParaRPr>
+          </a:p>
+        </p:txBody>
+      </p:sp>
+      <p:sp>
+        <p:nvSpPr>
+          <p:cNvPr id="5" name="Rectangle 3">
+            <a:extLst>
+              <a:ext uri="{FF2B5EF4-FFF2-40B4-BE49-F238E27FC236}">
+                <a16:creationId xmlns:a16="http://schemas.microsoft.com/office/drawing/2014/main" id="{2EE127BF-401A-4C36-A14A-872ADB44AB18}"/>
+              </a:ext>
+            </a:extLst>
+          </p:cNvPr>
+          <p:cNvSpPr txBox="1">
+            <a:spLocks noChangeArrowheads="1"/>
+          </p:cNvSpPr>
+          <p:nvPr/>
+        </p:nvSpPr>
+        <p:spPr bwMode="auto">
+          <a:xfrm>
+            <a:off x="632691" y="3435928"/>
+            <a:ext cx="8077200" cy="674233"/>
+          </a:xfrm>
+          <a:prstGeom prst="rect">
+            <a:avLst/>
+          </a:prstGeom>
+          <a:noFill/>
+          <a:ln>
+            <a:noFill/>
+          </a:ln>
+          <a:effectLst/>
+          <a:extLst>
+            <a:ext uri="{909E8E84-426E-40DD-AFC4-6F175D3DCCD1}">
+              <a14:hiddenFill xmlns:a14="http://schemas.microsoft.com/office/drawing/2010/main">
+                <a:solidFill>
+                  <a:schemeClr val="accent1"/>
+                </a:solidFill>
+              </a14:hiddenFill>
+            </a:ext>
+            <a:ext uri="{91240B29-F687-4F45-9708-019B960494DF}">
+              <a14:hiddenLine xmlns:a14="http://schemas.microsoft.com/office/drawing/2010/main" w="9525">
+                <a:solidFill>
+                  <a:schemeClr val="tx1"/>
+                </a:solidFill>
+                <a:miter lim="800000"/>
+                <a:headEnd/>
+                <a:tailEnd/>
+              </a14:hiddenLine>
+            </a:ext>
+            <a:ext uri="{AF507438-7753-43E0-B8FC-AC1667EBCBE1}">
+              <a14:hiddenEffects xmlns:a14="http://schemas.microsoft.com/office/drawing/2010/main">
+                <a:effectLst>
+                  <a:outerShdw dist="35921" dir="2700000" algn="ctr" rotWithShape="0">
+                    <a:schemeClr val="bg2"/>
+                  </a:outerShdw>
+                </a:effectLst>
+              </a14:hiddenEffects>
+            </a:ext>
+          </a:extLst>
+        </p:spPr>
+        <p:txBody>
+          <a:bodyPr vert="horz" wrap="square" lIns="91440" tIns="45720" rIns="91440" bIns="45720" numCol="1" anchor="t" anchorCtr="0" compatLnSpc="1">
+            <a:prstTxWarp prst="textNoShape">
+              <a:avLst/>
+            </a:prstTxWarp>
+          </a:bodyPr>
+          <a:lstStyle>
+            <a:lvl1pPr marL="342900" indent="-342900" algn="l" rtl="0" fontAlgn="base">
+              <a:spcBef>
+                <a:spcPct val="20000"/>
+              </a:spcBef>
+              <a:spcAft>
+                <a:spcPct val="0"/>
+              </a:spcAft>
+              <a:buChar char="•"/>
+              <a:defRPr sz="2900" kern="1200">
+                <a:solidFill>
+                  <a:srgbClr val="000066"/>
+                </a:solidFill>
+                <a:latin typeface="+mn-lt"/>
+                <a:ea typeface="+mn-ea"/>
+                <a:cs typeface="+mn-cs"/>
+              </a:defRPr>
+            </a:lvl1pPr>
+            <a:lvl2pPr marL="742950" indent="-285750" algn="l" rtl="0" fontAlgn="base">
+              <a:spcBef>
+                <a:spcPct val="20000"/>
+              </a:spcBef>
+              <a:spcAft>
+                <a:spcPct val="0"/>
+              </a:spcAft>
+              <a:buChar char="–"/>
+              <a:defRPr sz="2600" kern="1200">
+                <a:solidFill>
+                  <a:srgbClr val="000066"/>
+                </a:solidFill>
+                <a:latin typeface="+mn-lt"/>
+                <a:ea typeface="+mn-ea"/>
+                <a:cs typeface="+mn-cs"/>
+              </a:defRPr>
+            </a:lvl2pPr>
+            <a:lvl3pPr marL="1143000" indent="-228600" algn="l" rtl="0" fontAlgn="base">
+              <a:spcBef>
+                <a:spcPct val="20000"/>
+              </a:spcBef>
+              <a:spcAft>
+                <a:spcPct val="0"/>
+              </a:spcAft>
+              <a:buChar char="•"/>
+              <a:defRPr sz="2200" kern="1200">
+                <a:solidFill>
+                  <a:srgbClr val="000066"/>
+                </a:solidFill>
+                <a:latin typeface="+mn-lt"/>
+                <a:ea typeface="+mn-ea"/>
+                <a:cs typeface="+mn-cs"/>
+              </a:defRPr>
+            </a:lvl3pPr>
+            <a:lvl4pPr marL="1600200" indent="-228600" algn="l" rtl="0" fontAlgn="base">
+              <a:spcBef>
+                <a:spcPct val="20000"/>
+              </a:spcBef>
+              <a:spcAft>
+                <a:spcPct val="0"/>
+              </a:spcAft>
+              <a:buChar char="–"/>
+              <a:defRPr kern="1200">
+                <a:solidFill>
+                  <a:srgbClr val="000066"/>
+                </a:solidFill>
+                <a:latin typeface="+mn-lt"/>
+                <a:ea typeface="+mn-ea"/>
+                <a:cs typeface="+mn-cs"/>
+              </a:defRPr>
+            </a:lvl4pPr>
+            <a:lvl5pPr marL="2057400" indent="-228600" algn="l" rtl="0" fontAlgn="base">
+              <a:spcBef>
+                <a:spcPct val="20000"/>
+              </a:spcBef>
+              <a:spcAft>
+                <a:spcPct val="0"/>
+              </a:spcAft>
+              <a:buChar char="»"/>
+              <a:defRPr kern="1200">
+                <a:solidFill>
+                  <a:srgbClr val="000066"/>
+                </a:solidFill>
+                <a:latin typeface="+mn-lt"/>
+                <a:ea typeface="+mn-ea"/>
+                <a:cs typeface="+mn-cs"/>
+              </a:defRPr>
+            </a:lvl5pPr>
+            <a:lvl6pPr marL="2514600" indent="-228600" algn="l" defTabSz="914400" rtl="0" eaLnBrk="1" latinLnBrk="0" hangingPunct="1">
+              <a:lnSpc>
+                <a:spcPct val="90000"/>
+              </a:lnSpc>
+              <a:spcBef>
+                <a:spcPts val="500"/>
+              </a:spcBef>
+              <a:buFont typeface="Arial" panose="020B0604020202020204" pitchFamily="34" charset="0"/>
+              <a:buChar char="•"/>
+              <a:defRPr sz="1800" kern="1200">
+                <a:solidFill>
+                  <a:schemeClr val="tx1"/>
+                </a:solidFill>
+                <a:latin typeface="+mn-lt"/>
+                <a:ea typeface="+mn-ea"/>
+                <a:cs typeface="+mn-cs"/>
+              </a:defRPr>
+            </a:lvl6pPr>
+            <a:lvl7pPr marL="2971800" indent="-228600" algn="l" defTabSz="914400" rtl="0" eaLnBrk="1" latinLnBrk="0" hangingPunct="1">
+              <a:lnSpc>
+                <a:spcPct val="90000"/>
+              </a:lnSpc>
+              <a:spcBef>
+                <a:spcPts val="500"/>
+              </a:spcBef>
+              <a:buFont typeface="Arial" panose="020B0604020202020204" pitchFamily="34" charset="0"/>
+              <a:buChar char="•"/>
+              <a:defRPr sz="1800" kern="1200">
+                <a:solidFill>
+                  <a:schemeClr val="tx1"/>
+                </a:solidFill>
+                <a:latin typeface="+mn-lt"/>
+                <a:ea typeface="+mn-ea"/>
+                <a:cs typeface="+mn-cs"/>
+              </a:defRPr>
+            </a:lvl7pPr>
+            <a:lvl8pPr marL="3429000" indent="-228600" algn="l" defTabSz="914400" rtl="0" eaLnBrk="1" latinLnBrk="0" hangingPunct="1">
+              <a:lnSpc>
+                <a:spcPct val="90000"/>
+              </a:lnSpc>
+              <a:spcBef>
+                <a:spcPts val="500"/>
+              </a:spcBef>
+              <a:buFont typeface="Arial" panose="020B0604020202020204" pitchFamily="34" charset="0"/>
+              <a:buChar char="•"/>
+              <a:defRPr sz="1800" kern="1200">
+                <a:solidFill>
+                  <a:schemeClr val="tx1"/>
+                </a:solidFill>
+                <a:latin typeface="+mn-lt"/>
+                <a:ea typeface="+mn-ea"/>
+                <a:cs typeface="+mn-cs"/>
+              </a:defRPr>
+            </a:lvl8pPr>
+            <a:lvl9pPr marL="3886200" indent="-228600" algn="l" defTabSz="914400" rtl="0" eaLnBrk="1" latinLnBrk="0" hangingPunct="1">
+              <a:lnSpc>
+                <a:spcPct val="90000"/>
+              </a:lnSpc>
+              <a:spcBef>
+                <a:spcPts val="500"/>
+              </a:spcBef>
+              <a:buFont typeface="Arial" panose="020B0604020202020204" pitchFamily="34" charset="0"/>
+              <a:buChar char="•"/>
+              <a:defRPr sz="1800" kern="1200">
+                <a:solidFill>
+                  <a:schemeClr val="tx1"/>
+                </a:solidFill>
+                <a:latin typeface="+mn-lt"/>
+                <a:ea typeface="+mn-ea"/>
+                <a:cs typeface="+mn-cs"/>
+              </a:defRPr>
+            </a:lvl9pPr>
+          </a:lstStyle>
+          <a:p>
+            <a:pPr marL="0" indent="0">
+              <a:buFontTx/>
+              <a:buNone/>
+            </a:pPr>
+            <a:r>
+              <a:rPr lang="en-US" altLang="en-US" dirty="0" smtClean="0">
+                <a:latin typeface="Times New Roman" panose="02020603050405020304" pitchFamily="18" charset="0"/>
+                <a:cs typeface="Times New Roman" panose="02020603050405020304" pitchFamily="18" charset="0"/>
+              </a:rPr>
+              <a:t>3. </a:t>
+            </a:r>
+            <a:r>
+              <a:rPr lang="en-US" altLang="en-US" dirty="0" err="1" smtClean="0">
+                <a:latin typeface="Times New Roman" panose="02020603050405020304" pitchFamily="18" charset="0"/>
+                <a:cs typeface="Times New Roman" panose="02020603050405020304" pitchFamily="18" charset="0"/>
+              </a:rPr>
+              <a:t>Kết</a:t>
+            </a:r>
+            <a:r>
+              <a:rPr lang="en-US" altLang="en-US" dirty="0">
+                <a:latin typeface="Times New Roman" panose="02020603050405020304" pitchFamily="18" charset="0"/>
+                <a:cs typeface="Times New Roman" panose="02020603050405020304" pitchFamily="18" charset="0"/>
+              </a:rPr>
+              <a:t> </a:t>
+            </a:r>
+            <a:r>
+              <a:rPr lang="en-US" altLang="en-US" dirty="0" err="1" smtClean="0">
+                <a:latin typeface="Times New Roman" panose="02020603050405020304" pitchFamily="18" charset="0"/>
+                <a:cs typeface="Times New Roman" panose="02020603050405020304" pitchFamily="18" charset="0"/>
+              </a:rPr>
+              <a:t>quả</a:t>
+            </a:r>
+            <a:r>
+              <a:rPr lang="en-US" altLang="en-US" dirty="0" smtClean="0">
+                <a:latin typeface="Times New Roman" panose="02020603050405020304" pitchFamily="18" charset="0"/>
+                <a:cs typeface="Times New Roman" panose="02020603050405020304" pitchFamily="18" charset="0"/>
+              </a:rPr>
+              <a:t> </a:t>
+            </a:r>
+            <a:r>
+              <a:rPr lang="en-US" altLang="en-US" dirty="0" err="1" smtClean="0">
+                <a:latin typeface="Times New Roman" panose="02020603050405020304" pitchFamily="18" charset="0"/>
+                <a:cs typeface="Times New Roman" panose="02020603050405020304" pitchFamily="18" charset="0"/>
+              </a:rPr>
+              <a:t>đạt</a:t>
+            </a:r>
+            <a:r>
+              <a:rPr lang="en-US" altLang="en-US" dirty="0" smtClean="0">
+                <a:latin typeface="Times New Roman" panose="02020603050405020304" pitchFamily="18" charset="0"/>
+                <a:cs typeface="Times New Roman" panose="02020603050405020304" pitchFamily="18" charset="0"/>
+              </a:rPr>
+              <a:t> </a:t>
+            </a:r>
+            <a:r>
+              <a:rPr lang="en-US" altLang="en-US" dirty="0" err="1" smtClean="0">
+                <a:latin typeface="Times New Roman" panose="02020603050405020304" pitchFamily="18" charset="0"/>
+                <a:cs typeface="Times New Roman" panose="02020603050405020304" pitchFamily="18" charset="0"/>
+              </a:rPr>
+              <a:t>được</a:t>
+            </a:r>
+            <a:endParaRPr lang="en-US" altLang="en-US" dirty="0">
+              <a:latin typeface="Times New Roman" panose="02020603050405020304" pitchFamily="18" charset="0"/>
+              <a:cs typeface="Times New Roman" panose="02020603050405020304" pitchFamily="18" charset="0"/>
+            </a:endParaRPr>
+          </a:p>
+        </p:txBody>
+      </p:sp>
+      <p:sp>
+        <p:nvSpPr>
+          <p:cNvPr id="6" name="Rectangle 3">
+            <a:extLst>
+              <a:ext uri="{FF2B5EF4-FFF2-40B4-BE49-F238E27FC236}">
+                <a16:creationId xmlns:a16="http://schemas.microsoft.com/office/drawing/2014/main" id="{2EE127BF-401A-4C36-A14A-872ADB44AB18}"/>
+              </a:ext>
+            </a:extLst>
+          </p:cNvPr>
+          <p:cNvSpPr txBox="1">
+            <a:spLocks noChangeArrowheads="1"/>
+          </p:cNvSpPr>
+          <p:nvPr/>
+        </p:nvSpPr>
+        <p:spPr bwMode="auto">
+          <a:xfrm>
+            <a:off x="632691" y="4110161"/>
+            <a:ext cx="8077200" cy="689429"/>
+          </a:xfrm>
+          <a:prstGeom prst="rect">
+            <a:avLst/>
+          </a:prstGeom>
+          <a:noFill/>
+          <a:ln>
+            <a:noFill/>
+          </a:ln>
+          <a:effectLst/>
+          <a:extLst>
+            <a:ext uri="{909E8E84-426E-40DD-AFC4-6F175D3DCCD1}">
+              <a14:hiddenFill xmlns:a14="http://schemas.microsoft.com/office/drawing/2010/main">
+                <a:solidFill>
+                  <a:schemeClr val="accent1"/>
+                </a:solidFill>
+              </a14:hiddenFill>
+            </a:ext>
+            <a:ext uri="{91240B29-F687-4F45-9708-019B960494DF}">
+              <a14:hiddenLine xmlns:a14="http://schemas.microsoft.com/office/drawing/2010/main" w="9525">
+                <a:solidFill>
+                  <a:schemeClr val="tx1"/>
+                </a:solidFill>
+                <a:miter lim="800000"/>
+                <a:headEnd/>
+                <a:tailEnd/>
+              </a14:hiddenLine>
+            </a:ext>
+            <a:ext uri="{AF507438-7753-43E0-B8FC-AC1667EBCBE1}">
+              <a14:hiddenEffects xmlns:a14="http://schemas.microsoft.com/office/drawing/2010/main">
+                <a:effectLst>
+                  <a:outerShdw dist="35921" dir="2700000" algn="ctr" rotWithShape="0">
+                    <a:schemeClr val="bg2"/>
+                  </a:outerShdw>
+                </a:effectLst>
+              </a14:hiddenEffects>
+            </a:ext>
+          </a:extLst>
+        </p:spPr>
+        <p:txBody>
+          <a:bodyPr vert="horz" wrap="square" lIns="91440" tIns="45720" rIns="91440" bIns="45720" numCol="1" anchor="t" anchorCtr="0" compatLnSpc="1">
+            <a:prstTxWarp prst="textNoShape">
+              <a:avLst/>
+            </a:prstTxWarp>
+          </a:bodyPr>
+          <a:lstStyle>
+            <a:lvl1pPr marL="342900" indent="-342900" algn="l" rtl="0" fontAlgn="base">
+              <a:spcBef>
+                <a:spcPct val="20000"/>
+              </a:spcBef>
+              <a:spcAft>
+                <a:spcPct val="0"/>
+              </a:spcAft>
+              <a:buChar char="•"/>
+              <a:defRPr sz="2900" kern="1200">
+                <a:solidFill>
+                  <a:srgbClr val="000066"/>
+                </a:solidFill>
+                <a:latin typeface="+mn-lt"/>
+                <a:ea typeface="+mn-ea"/>
+                <a:cs typeface="+mn-cs"/>
+              </a:defRPr>
+            </a:lvl1pPr>
+            <a:lvl2pPr marL="742950" indent="-285750" algn="l" rtl="0" fontAlgn="base">
+              <a:spcBef>
+                <a:spcPct val="20000"/>
+              </a:spcBef>
+              <a:spcAft>
+                <a:spcPct val="0"/>
+              </a:spcAft>
+              <a:buChar char="–"/>
+              <a:defRPr sz="2600" kern="1200">
+                <a:solidFill>
+                  <a:srgbClr val="000066"/>
+                </a:solidFill>
+                <a:latin typeface="+mn-lt"/>
+                <a:ea typeface="+mn-ea"/>
+                <a:cs typeface="+mn-cs"/>
+              </a:defRPr>
+            </a:lvl2pPr>
+            <a:lvl3pPr marL="1143000" indent="-228600" algn="l" rtl="0" fontAlgn="base">
+              <a:spcBef>
+                <a:spcPct val="20000"/>
+              </a:spcBef>
+              <a:spcAft>
+                <a:spcPct val="0"/>
+              </a:spcAft>
+              <a:buChar char="•"/>
+              <a:defRPr sz="2200" kern="1200">
+                <a:solidFill>
+                  <a:srgbClr val="000066"/>
+                </a:solidFill>
+                <a:latin typeface="+mn-lt"/>
+                <a:ea typeface="+mn-ea"/>
+                <a:cs typeface="+mn-cs"/>
+              </a:defRPr>
+            </a:lvl3pPr>
+            <a:lvl4pPr marL="1600200" indent="-228600" algn="l" rtl="0" fontAlgn="base">
+              <a:spcBef>
+                <a:spcPct val="20000"/>
+              </a:spcBef>
+              <a:spcAft>
+                <a:spcPct val="0"/>
+              </a:spcAft>
+              <a:buChar char="–"/>
+              <a:defRPr kern="1200">
+                <a:solidFill>
+                  <a:srgbClr val="000066"/>
+                </a:solidFill>
+                <a:latin typeface="+mn-lt"/>
+                <a:ea typeface="+mn-ea"/>
+                <a:cs typeface="+mn-cs"/>
+              </a:defRPr>
+            </a:lvl4pPr>
+            <a:lvl5pPr marL="2057400" indent="-228600" algn="l" rtl="0" fontAlgn="base">
+              <a:spcBef>
+                <a:spcPct val="20000"/>
+              </a:spcBef>
+              <a:spcAft>
+                <a:spcPct val="0"/>
+              </a:spcAft>
+              <a:buChar char="»"/>
+              <a:defRPr kern="1200">
+                <a:solidFill>
+                  <a:srgbClr val="000066"/>
+                </a:solidFill>
+                <a:latin typeface="+mn-lt"/>
+                <a:ea typeface="+mn-ea"/>
+                <a:cs typeface="+mn-cs"/>
+              </a:defRPr>
+            </a:lvl5pPr>
+            <a:lvl6pPr marL="2514600" indent="-228600" algn="l" defTabSz="914400" rtl="0" eaLnBrk="1" latinLnBrk="0" hangingPunct="1">
+              <a:lnSpc>
+                <a:spcPct val="90000"/>
+              </a:lnSpc>
+              <a:spcBef>
+                <a:spcPts val="500"/>
+              </a:spcBef>
+              <a:buFont typeface="Arial" panose="020B0604020202020204" pitchFamily="34" charset="0"/>
+              <a:buChar char="•"/>
+              <a:defRPr sz="1800" kern="1200">
+                <a:solidFill>
+                  <a:schemeClr val="tx1"/>
+                </a:solidFill>
+                <a:latin typeface="+mn-lt"/>
+                <a:ea typeface="+mn-ea"/>
+                <a:cs typeface="+mn-cs"/>
+              </a:defRPr>
+            </a:lvl6pPr>
+            <a:lvl7pPr marL="2971800" indent="-228600" algn="l" defTabSz="914400" rtl="0" eaLnBrk="1" latinLnBrk="0" hangingPunct="1">
+              <a:lnSpc>
+                <a:spcPct val="90000"/>
+              </a:lnSpc>
+              <a:spcBef>
+                <a:spcPts val="500"/>
+              </a:spcBef>
+              <a:buFont typeface="Arial" panose="020B0604020202020204" pitchFamily="34" charset="0"/>
+              <a:buChar char="•"/>
+              <a:defRPr sz="1800" kern="1200">
+                <a:solidFill>
+                  <a:schemeClr val="tx1"/>
+                </a:solidFill>
+                <a:latin typeface="+mn-lt"/>
+                <a:ea typeface="+mn-ea"/>
+                <a:cs typeface="+mn-cs"/>
+              </a:defRPr>
+            </a:lvl7pPr>
+            <a:lvl8pPr marL="3429000" indent="-228600" algn="l" defTabSz="914400" rtl="0" eaLnBrk="1" latinLnBrk="0" hangingPunct="1">
+              <a:lnSpc>
+                <a:spcPct val="90000"/>
+              </a:lnSpc>
+              <a:spcBef>
+                <a:spcPts val="500"/>
+              </a:spcBef>
+              <a:buFont typeface="Arial" panose="020B0604020202020204" pitchFamily="34" charset="0"/>
+              <a:buChar char="•"/>
+              <a:defRPr sz="1800" kern="1200">
+                <a:solidFill>
+                  <a:schemeClr val="tx1"/>
+                </a:solidFill>
+                <a:latin typeface="+mn-lt"/>
+                <a:ea typeface="+mn-ea"/>
+                <a:cs typeface="+mn-cs"/>
+              </a:defRPr>
+            </a:lvl8pPr>
+            <a:lvl9pPr marL="3886200" indent="-228600" algn="l" defTabSz="914400" rtl="0" eaLnBrk="1" latinLnBrk="0" hangingPunct="1">
+              <a:lnSpc>
+                <a:spcPct val="90000"/>
+              </a:lnSpc>
+              <a:spcBef>
+                <a:spcPts val="500"/>
+              </a:spcBef>
+              <a:buFont typeface="Arial" panose="020B0604020202020204" pitchFamily="34" charset="0"/>
+              <a:buChar char="•"/>
+              <a:defRPr sz="1800" kern="1200">
+                <a:solidFill>
+                  <a:schemeClr val="tx1"/>
+                </a:solidFill>
+                <a:latin typeface="+mn-lt"/>
+                <a:ea typeface="+mn-ea"/>
+                <a:cs typeface="+mn-cs"/>
+              </a:defRPr>
+            </a:lvl9pPr>
+          </a:lstStyle>
+          <a:p>
+            <a:pPr marL="0" indent="0">
+              <a:buFontTx/>
+              <a:buNone/>
+            </a:pPr>
+            <a:r>
+              <a:rPr lang="en-US" altLang="en-US" dirty="0" smtClean="0">
+                <a:latin typeface="Times New Roman" panose="02020603050405020304" pitchFamily="18" charset="0"/>
+                <a:cs typeface="Times New Roman" panose="02020603050405020304" pitchFamily="18" charset="0"/>
+              </a:rPr>
+              <a:t>4. </a:t>
+            </a:r>
+            <a:r>
+              <a:rPr lang="en-US" altLang="en-US" dirty="0" err="1" smtClean="0">
+                <a:latin typeface="Times New Roman" panose="02020603050405020304" pitchFamily="18" charset="0"/>
+                <a:cs typeface="Times New Roman" panose="02020603050405020304" pitchFamily="18" charset="0"/>
+              </a:rPr>
+              <a:t>Kết</a:t>
+            </a:r>
+            <a:r>
+              <a:rPr lang="en-US" altLang="en-US" dirty="0" smtClean="0">
+                <a:latin typeface="Times New Roman" panose="02020603050405020304" pitchFamily="18" charset="0"/>
+                <a:cs typeface="Times New Roman" panose="02020603050405020304" pitchFamily="18" charset="0"/>
+              </a:rPr>
+              <a:t> </a:t>
+            </a:r>
+            <a:r>
+              <a:rPr lang="en-US" altLang="en-US" dirty="0" err="1" smtClean="0">
+                <a:latin typeface="Times New Roman" panose="02020603050405020304" pitchFamily="18" charset="0"/>
+                <a:cs typeface="Times New Roman" panose="02020603050405020304" pitchFamily="18" charset="0"/>
+              </a:rPr>
+              <a:t>luận</a:t>
+            </a:r>
+            <a:r>
+              <a:rPr lang="en-US" altLang="en-US" dirty="0" smtClean="0">
+                <a:latin typeface="Times New Roman" panose="02020603050405020304" pitchFamily="18" charset="0"/>
+                <a:cs typeface="Times New Roman" panose="02020603050405020304" pitchFamily="18" charset="0"/>
+              </a:rPr>
+              <a:t> </a:t>
+            </a:r>
+            <a:r>
+              <a:rPr lang="en-US" altLang="en-US" dirty="0" err="1" smtClean="0">
+                <a:latin typeface="Times New Roman" panose="02020603050405020304" pitchFamily="18" charset="0"/>
+                <a:cs typeface="Times New Roman" panose="02020603050405020304" pitchFamily="18" charset="0"/>
+              </a:rPr>
+              <a:t>và</a:t>
+            </a:r>
+            <a:r>
+              <a:rPr lang="en-US" altLang="en-US" dirty="0" smtClean="0">
+                <a:latin typeface="Times New Roman" panose="02020603050405020304" pitchFamily="18" charset="0"/>
+                <a:cs typeface="Times New Roman" panose="02020603050405020304" pitchFamily="18" charset="0"/>
+              </a:rPr>
+              <a:t> </a:t>
+            </a:r>
+            <a:r>
+              <a:rPr lang="en-US" altLang="en-US" dirty="0" err="1" smtClean="0">
+                <a:latin typeface="Times New Roman" panose="02020603050405020304" pitchFamily="18" charset="0"/>
+                <a:cs typeface="Times New Roman" panose="02020603050405020304" pitchFamily="18" charset="0"/>
+              </a:rPr>
+              <a:t>hướng</a:t>
+            </a:r>
+            <a:r>
+              <a:rPr lang="en-US" altLang="en-US" dirty="0" smtClean="0">
+                <a:latin typeface="Times New Roman" panose="02020603050405020304" pitchFamily="18" charset="0"/>
+                <a:cs typeface="Times New Roman" panose="02020603050405020304" pitchFamily="18" charset="0"/>
+              </a:rPr>
+              <a:t> </a:t>
+            </a:r>
+            <a:r>
+              <a:rPr lang="en-US" altLang="en-US" dirty="0" err="1" smtClean="0">
+                <a:latin typeface="Times New Roman" panose="02020603050405020304" pitchFamily="18" charset="0"/>
+                <a:cs typeface="Times New Roman" panose="02020603050405020304" pitchFamily="18" charset="0"/>
+              </a:rPr>
+              <a:t>phát</a:t>
+            </a:r>
+            <a:r>
+              <a:rPr lang="en-US" altLang="en-US" dirty="0" smtClean="0">
+                <a:latin typeface="Times New Roman" panose="02020603050405020304" pitchFamily="18" charset="0"/>
+                <a:cs typeface="Times New Roman" panose="02020603050405020304" pitchFamily="18" charset="0"/>
+              </a:rPr>
+              <a:t> </a:t>
+            </a:r>
+            <a:r>
+              <a:rPr lang="en-US" altLang="en-US" dirty="0" err="1" smtClean="0">
+                <a:latin typeface="Times New Roman" panose="02020603050405020304" pitchFamily="18" charset="0"/>
+                <a:cs typeface="Times New Roman" panose="02020603050405020304" pitchFamily="18" charset="0"/>
+              </a:rPr>
+              <a:t>triển</a:t>
+            </a:r>
+            <a:endParaRPr lang="en-US" altLang="en-US" dirty="0">
+              <a:latin typeface="Times New Roman" panose="02020603050405020304" pitchFamily="18" charset="0"/>
+              <a:cs typeface="Times New Roman" panose="02020603050405020304" pitchFamily="18" charset="0"/>
+            </a:endParaRPr>
+          </a:p>
+        </p:txBody>
+      </p:sp>
+    </p:spTree>
+  </p:cSld>
+  <p:clrMapOvr>
+    <a:masterClrMapping/>
+  </p:clrMapOvr>
+  <p:timing>
+    <p:tnLst>
+      <p:par>
+        <p:cTn id="1" dur="indefinite" restart="never" nodeType="tmRoot"/>
+      </p:par>
+    </p:tnLst>
+  </p:timing>
 </p:sld>
 </file>
 
@@ -7495,16 +7274,27 @@
             <p:ph type="title"/>
           </p:nvPr>
         </p:nvSpPr>
-        <p:spPr/>
+        <p:spPr>
+          <a:xfrm>
+            <a:off x="1828800" y="304800"/>
+            <a:ext cx="7086600" cy="944563"/>
+          </a:xfrm>
+        </p:spPr>
         <p:txBody>
           <a:bodyPr/>
           <a:lstStyle/>
           <a:p>
             <a:r>
-              <a:rPr lang="en-US" altLang="en-US" dirty="0" smtClean="0"/>
+              <a:rPr lang="en-US" altLang="en-US" dirty="0" smtClean="0">
+                <a:latin typeface="Times New Roman" panose="02020603050405020304" pitchFamily="18" charset="0"/>
+                <a:cs typeface="Times New Roman" panose="02020603050405020304" pitchFamily="18" charset="0"/>
+              </a:rPr>
               <a:t>MỤC TIÊU ĐỀ TÀI</a:t>
             </a:r>
-            <a:endParaRPr lang="en-US" altLang="en-US" dirty="0"/>
+            <a:endParaRPr lang="en-US" altLang="en-US" dirty="0">
+              <a:latin typeface="Times New Roman" panose="02020603050405020304" pitchFamily="18" charset="0"/>
+              <a:cs typeface="Times New Roman" panose="02020603050405020304" pitchFamily="18" charset="0"/>
+            </a:endParaRPr>
           </a:p>
         </p:txBody>
       </p:sp>
@@ -7526,15 +7316,18 @@
         </p:nvSpPr>
         <p:spPr>
           <a:xfrm>
-            <a:off x="762000" y="1633538"/>
-            <a:ext cx="8077200" cy="4767262"/>
+            <a:off x="762000" y="1828800"/>
+            <a:ext cx="8077200" cy="4572000"/>
           </a:xfrm>
         </p:spPr>
         <p:txBody>
           <a:bodyPr/>
           <a:lstStyle/>
           <a:p>
-            <a:endParaRPr lang="en-US" altLang="en-US" dirty="0"/>
+            <a:endParaRPr lang="en-US" altLang="en-US" dirty="0">
+              <a:latin typeface="Times New Roman" panose="02020603050405020304" pitchFamily="18" charset="0"/>
+              <a:cs typeface="Times New Roman" panose="02020603050405020304" pitchFamily="18" charset="0"/>
+            </a:endParaRPr>
           </a:p>
         </p:txBody>
       </p:sp>
@@ -7584,16 +7377,27 @@
             <p:ph type="title"/>
           </p:nvPr>
         </p:nvSpPr>
-        <p:spPr/>
+        <p:spPr>
+          <a:xfrm>
+            <a:off x="1828800" y="304800"/>
+            <a:ext cx="7086600" cy="944563"/>
+          </a:xfrm>
+        </p:spPr>
         <p:txBody>
           <a:bodyPr/>
           <a:lstStyle/>
           <a:p>
             <a:r>
-              <a:rPr lang="en-US" altLang="en-US" dirty="0" smtClean="0"/>
+              <a:rPr lang="en-US" altLang="en-US" dirty="0" smtClean="0">
+                <a:latin typeface="Times New Roman" panose="02020603050405020304" pitchFamily="18" charset="0"/>
+                <a:cs typeface="Times New Roman" panose="02020603050405020304" pitchFamily="18" charset="0"/>
+              </a:rPr>
               <a:t>MÔ TẢ CHI TIẾT BÀI TOÁN</a:t>
             </a:r>
-            <a:endParaRPr lang="en-US" altLang="en-US" dirty="0"/>
+            <a:endParaRPr lang="en-US" altLang="en-US" dirty="0">
+              <a:latin typeface="Times New Roman" panose="02020603050405020304" pitchFamily="18" charset="0"/>
+              <a:cs typeface="Times New Roman" panose="02020603050405020304" pitchFamily="18" charset="0"/>
+            </a:endParaRPr>
           </a:p>
         </p:txBody>
       </p:sp>
@@ -7623,6 +7427,22 @@
           <a:bodyPr/>
           <a:lstStyle/>
           <a:p>
+            <a:r>
+              <a:rPr lang="en-US" altLang="en-US" smtClean="0"/>
+              <a:t>Người dùng đăng nhập để quản lý tủ sách.</a:t>
+            </a:r>
+          </a:p>
+          <a:p>
+            <a:r>
+              <a:rPr lang="en-US" altLang="en-US" smtClean="0"/>
+              <a:t>Import file sách pdf từ local</a:t>
+            </a:r>
+          </a:p>
+          <a:p>
+            <a:r>
+              <a:rPr lang="en-US" altLang="en-US" smtClean="0"/>
+              <a:t>Quản lý sách từ file pdf</a:t>
+            </a:r>
             <a:endParaRPr lang="en-US" altLang="en-US" dirty="0"/>
           </a:p>
         </p:txBody>
@@ -7673,7 +7493,12 @@
             <p:ph type="title"/>
           </p:nvPr>
         </p:nvSpPr>
-        <p:spPr/>
+        <p:spPr>
+          <a:xfrm>
+            <a:off x="1828800" y="304800"/>
+            <a:ext cx="7086600" cy="944563"/>
+          </a:xfrm>
+        </p:spPr>
         <p:txBody>
           <a:bodyPr/>
           <a:lstStyle/>
@@ -7762,7 +7587,12 @@
             <p:ph type="title"/>
           </p:nvPr>
         </p:nvSpPr>
-        <p:spPr/>
+        <p:spPr>
+          <a:xfrm>
+            <a:off x="1828800" y="304800"/>
+            <a:ext cx="7086600" cy="944563"/>
+          </a:xfrm>
+        </p:spPr>
         <p:txBody>
           <a:bodyPr/>
           <a:lstStyle/>
@@ -7851,14 +7681,19 @@
             <p:ph type="title"/>
           </p:nvPr>
         </p:nvSpPr>
-        <p:spPr/>
+        <p:spPr>
+          <a:xfrm>
+            <a:off x="1828800" y="304800"/>
+            <a:ext cx="7086600" cy="944563"/>
+          </a:xfrm>
+        </p:spPr>
         <p:txBody>
           <a:bodyPr/>
           <a:lstStyle/>
           <a:p>
             <a:r>
-              <a:rPr lang="en-US" altLang="en-US" dirty="0" smtClean="0"/>
-              <a:t>KẾT LUẬN</a:t>
+              <a:rPr lang="en-US" altLang="en-US" smtClean="0"/>
+              <a:t>NHỮNG HẠN CHẾ</a:t>
             </a:r>
             <a:endParaRPr lang="en-US" altLang="en-US" dirty="0"/>
           </a:p>
@@ -7890,9 +7725,12 @@
           <a:bodyPr/>
           <a:lstStyle/>
           <a:p>
-            <a:r>
-              <a:rPr lang="en-US" altLang="en-US" dirty="0" smtClean="0"/>
-              <a:t>HẠN CHẾ</a:t>
+            <a:pPr marL="0" indent="0">
+              <a:buNone/>
+            </a:pPr>
+            <a:r>
+              <a:rPr lang="en-US" altLang="en-US" smtClean="0"/>
+              <a:t>Chưa có giải pháp để có thể chọn text </a:t>
             </a:r>
             <a:endParaRPr lang="en-US" altLang="en-US" dirty="0"/>
           </a:p>
@@ -7901,7 +7739,7 @@
     </p:spTree>
     <p:extLst>
       <p:ext uri="{BB962C8B-B14F-4D97-AF65-F5344CB8AC3E}">
-        <p14:creationId xmlns:p14="http://schemas.microsoft.com/office/powerpoint/2010/main" val="1724233368"/>
+        <p14:creationId xmlns:p14="http://schemas.microsoft.com/office/powerpoint/2010/main" val="1811343311"/>
       </p:ext>
     </p:extLst>
   </p:cSld>
@@ -8603,4 +8441,265 @@
     </a:ext>
   </a:extLst>
 </a:theme>
+</file>
+
+<file path=ppt/theme/theme2.xml><?xml version="1.0" encoding="utf-8"?>
+<a:theme xmlns:a="http://schemas.openxmlformats.org/drawingml/2006/main" name="Office Theme">
+  <a:themeElements>
+    <a:clrScheme name="Office">
+      <a:dk1>
+        <a:sysClr val="windowText" lastClr="000000"/>
+      </a:dk1>
+      <a:lt1>
+        <a:sysClr val="window" lastClr="FFFFFF"/>
+      </a:lt1>
+      <a:dk2>
+        <a:srgbClr val="44546A"/>
+      </a:dk2>
+      <a:lt2>
+        <a:srgbClr val="E7E6E6"/>
+      </a:lt2>
+      <a:accent1>
+        <a:srgbClr val="5B9BD5"/>
+      </a:accent1>
+      <a:accent2>
+        <a:srgbClr val="ED7D31"/>
+      </a:accent2>
+      <a:accent3>
+        <a:srgbClr val="A5A5A5"/>
+      </a:accent3>
+      <a:accent4>
+        <a:srgbClr val="FFC000"/>
+      </a:accent4>
+      <a:accent5>
+        <a:srgbClr val="4472C4"/>
+      </a:accent5>
+      <a:accent6>
+        <a:srgbClr val="70AD47"/>
+      </a:accent6>
+      <a:hlink>
+        <a:srgbClr val="0563C1"/>
+      </a:hlink>
+      <a:folHlink>
+        <a:srgbClr val="954F72"/>
+      </a:folHlink>
+    </a:clrScheme>
+    <a:fontScheme name="Office">
+      <a:majorFont>
+        <a:latin typeface="Calibri Light" panose="020F0302020204030204"/>
+        <a:ea typeface=""/>
+        <a:cs typeface=""/>
+        <a:font script="Jpan" typeface="游ゴシック Light"/>
+        <a:font script="Hang" typeface="맑은 고딕"/>
+        <a:font script="Hans" typeface="等线 Light"/>
+        <a:font script="Hant" typeface="新細明體"/>
+        <a:font script="Arab" typeface="Times New Roman"/>
+        <a:font script="Hebr" typeface="Times New Roman"/>
+        <a:font script="Thai" typeface="Angsana New"/>
+        <a:font script="Ethi" typeface="Nyala"/>
+        <a:font script="Beng" typeface="Vrinda"/>
+        <a:font script="Gujr" typeface="Shruti"/>
+        <a:font script="Khmr" typeface="MoolBoran"/>
+        <a:font script="Knda" typeface="Tunga"/>
+        <a:font script="Guru" typeface="Raavi"/>
+        <a:font script="Cans" typeface="Euphemia"/>
+        <a:font script="Cher" typeface="Plantagenet Cherokee"/>
+        <a:font script="Yiii" typeface="Microsoft Yi Baiti"/>
+        <a:font script="Tibt" typeface="Microsoft Himalaya"/>
+        <a:font script="Thaa" typeface="MV Boli"/>
+        <a:font script="Deva" typeface="Mangal"/>
+        <a:font script="Telu" typeface="Gautami"/>
+        <a:font script="Taml" typeface="Latha"/>
+        <a:font script="Syrc" typeface="Estrangelo Edessa"/>
+        <a:font script="Orya" typeface="Kalinga"/>
+        <a:font script="Mlym" typeface="Kartika"/>
+        <a:font script="Laoo" typeface="DokChampa"/>
+        <a:font script="Sinh" typeface="Iskoola Pota"/>
+        <a:font script="Mong" typeface="Mongolian Baiti"/>
+        <a:font script="Viet" typeface="Times New Roman"/>
+        <a:font script="Uigh" typeface="Microsoft Uighur"/>
+        <a:font script="Geor" typeface="Sylfaen"/>
+      </a:majorFont>
+      <a:minorFont>
+        <a:latin typeface="Calibri" panose="020F0502020204030204"/>
+        <a:ea typeface=""/>
+        <a:cs typeface=""/>
+        <a:font script="Jpan" typeface="游ゴシック"/>
+        <a:font script="Hang" typeface="맑은 고딕"/>
+        <a:font script="Hans" typeface="等线"/>
+        <a:font script="Hant" typeface="新細明體"/>
+        <a:font script="Arab" typeface="Arial"/>
+        <a:font script="Hebr" typeface="Arial"/>
+        <a:font script="Thai" typeface="Cordia New"/>
+        <a:font script="Ethi" typeface="Nyala"/>
+        <a:font script="Beng" typeface="Vrinda"/>
+        <a:font script="Gujr" typeface="Shruti"/>
+        <a:font script="Khmr" typeface="DaunPenh"/>
+        <a:font script="Knda" typeface="Tunga"/>
+        <a:font script="Guru" typeface="Raavi"/>
+        <a:font script="Cans" typeface="Euphemia"/>
+        <a:font script="Cher" typeface="Plantagenet Cherokee"/>
+        <a:font script="Yiii" typeface="Microsoft Yi Baiti"/>
+        <a:font script="Tibt" typeface="Microsoft Himalaya"/>
+        <a:font script="Thaa" typeface="MV Boli"/>
+        <a:font script="Deva" typeface="Mangal"/>
+        <a:font script="Telu" typeface="Gautami"/>
+        <a:font script="Taml" typeface="Latha"/>
+        <a:font script="Syrc" typeface="Estrangelo Edessa"/>
+        <a:font script="Orya" typeface="Kalinga"/>
+        <a:font script="Mlym" typeface="Kartika"/>
+        <a:font script="Laoo" typeface="DokChampa"/>
+        <a:font script="Sinh" typeface="Iskoola Pota"/>
+        <a:font script="Mong" typeface="Mongolian Baiti"/>
+        <a:font script="Viet" typeface="Arial"/>
+        <a:font script="Uigh" typeface="Microsoft Uighur"/>
+        <a:font script="Geor" typeface="Sylfaen"/>
+      </a:minorFont>
+    </a:fontScheme>
+    <a:fmtScheme name="Office">
+      <a:fillStyleLst>
+        <a:solidFill>
+          <a:schemeClr val="phClr"/>
+        </a:solidFill>
+        <a:gradFill rotWithShape="1">
+          <a:gsLst>
+            <a:gs pos="0">
+              <a:schemeClr val="phClr">
+                <a:lumMod val="110000"/>
+                <a:satMod val="105000"/>
+                <a:tint val="67000"/>
+              </a:schemeClr>
+            </a:gs>
+            <a:gs pos="50000">
+              <a:schemeClr val="phClr">
+                <a:lumMod val="105000"/>
+                <a:satMod val="103000"/>
+                <a:tint val="73000"/>
+              </a:schemeClr>
+            </a:gs>
+            <a:gs pos="100000">
+              <a:schemeClr val="phClr">
+                <a:lumMod val="105000"/>
+                <a:satMod val="109000"/>
+                <a:tint val="81000"/>
+              </a:schemeClr>
+            </a:gs>
+          </a:gsLst>
+          <a:lin ang="5400000" scaled="0"/>
+        </a:gradFill>
+        <a:gradFill rotWithShape="1">
+          <a:gsLst>
+            <a:gs pos="0">
+              <a:schemeClr val="phClr">
+                <a:satMod val="103000"/>
+                <a:lumMod val="102000"/>
+                <a:tint val="94000"/>
+              </a:schemeClr>
+            </a:gs>
+            <a:gs pos="50000">
+              <a:schemeClr val="phClr">
+                <a:satMod val="110000"/>
+                <a:lumMod val="100000"/>
+                <a:shade val="100000"/>
+              </a:schemeClr>
+            </a:gs>
+            <a:gs pos="100000">
+              <a:schemeClr val="phClr">
+                <a:lumMod val="99000"/>
+                <a:satMod val="120000"/>
+                <a:shade val="78000"/>
+              </a:schemeClr>
+            </a:gs>
+          </a:gsLst>
+          <a:lin ang="5400000" scaled="0"/>
+        </a:gradFill>
+      </a:fillStyleLst>
+      <a:lnStyleLst>
+        <a:ln w="6350" cap="flat" cmpd="sng" algn="ctr">
+          <a:solidFill>
+            <a:schemeClr val="phClr"/>
+          </a:solidFill>
+          <a:prstDash val="solid"/>
+          <a:miter lim="800000"/>
+        </a:ln>
+        <a:ln w="12700" cap="flat" cmpd="sng" algn="ctr">
+          <a:solidFill>
+            <a:schemeClr val="phClr"/>
+          </a:solidFill>
+          <a:prstDash val="solid"/>
+          <a:miter lim="800000"/>
+        </a:ln>
+        <a:ln w="19050" cap="flat" cmpd="sng" algn="ctr">
+          <a:solidFill>
+            <a:schemeClr val="phClr"/>
+          </a:solidFill>
+          <a:prstDash val="solid"/>
+          <a:miter lim="800000"/>
+        </a:ln>
+      </a:lnStyleLst>
+      <a:effectStyleLst>
+        <a:effectStyle>
+          <a:effectLst/>
+        </a:effectStyle>
+        <a:effectStyle>
+          <a:effectLst/>
+        </a:effectStyle>
+        <a:effectStyle>
+          <a:effectLst>
+            <a:outerShdw blurRad="57150" dist="19050" dir="5400000" algn="ctr" rotWithShape="0">
+              <a:srgbClr val="000000">
+                <a:alpha val="63000"/>
+              </a:srgbClr>
+            </a:outerShdw>
+          </a:effectLst>
+        </a:effectStyle>
+      </a:effectStyleLst>
+      <a:bgFillStyleLst>
+        <a:solidFill>
+          <a:schemeClr val="phClr"/>
+        </a:solidFill>
+        <a:solidFill>
+          <a:schemeClr val="phClr">
+            <a:tint val="95000"/>
+            <a:satMod val="170000"/>
+          </a:schemeClr>
+        </a:solidFill>
+        <a:gradFill rotWithShape="1">
+          <a:gsLst>
+            <a:gs pos="0">
+              <a:schemeClr val="phClr">
+                <a:tint val="93000"/>
+                <a:satMod val="150000"/>
+                <a:shade val="98000"/>
+                <a:lumMod val="102000"/>
+              </a:schemeClr>
+            </a:gs>
+            <a:gs pos="50000">
+              <a:schemeClr val="phClr">
+                <a:tint val="98000"/>
+                <a:satMod val="130000"/>
+                <a:shade val="90000"/>
+                <a:lumMod val="103000"/>
+              </a:schemeClr>
+            </a:gs>
+            <a:gs pos="100000">
+              <a:schemeClr val="phClr">
+                <a:shade val="63000"/>
+                <a:satMod val="120000"/>
+              </a:schemeClr>
+            </a:gs>
+          </a:gsLst>
+          <a:lin ang="5400000" scaled="0"/>
+        </a:gradFill>
+      </a:bgFillStyleLst>
+    </a:fmtScheme>
+  </a:themeElements>
+  <a:objectDefaults/>
+  <a:extraClrSchemeLst/>
+  <a:extLst>
+    <a:ext uri="{05A4C25C-085E-4340-85A3-A5531E510DB2}">
+      <thm15:themeFamily xmlns:thm15="http://schemas.microsoft.com/office/thememl/2012/main" name="Office Theme" id="{62F939B6-93AF-4DB8-9C6B-D6C7DFDC589F}" vid="{4A3C46E8-61CC-4603-A589-7422A47A8E4A}"/>
+    </a:ext>
+  </a:extLst>
+</a:theme>
 </file>